--- a/ppt/DockerWorkshopVSB.pptx
+++ b/ppt/DockerWorkshopVSB.pptx
@@ -2948,7 +2948,7 @@
           </a:prstGeom>
           <a:extLst>
             <a:ext uri="{C572A759-6A51-4108-AA02-DFA0A04FC94B}">
-              <ma14:wrappingTextBoxFlag xmlns:ma14="http://schemas.microsoft.com/office/mac/drawingml/2011/main" xmlns="" val="1"/>
+              <ma14:wrappingTextBoxFlag xmlns="" xmlns:ma14="http://schemas.microsoft.com/office/mac/drawingml/2011/main" val="1"/>
             </a:ext>
           </a:extLst>
         </p:spPr>
@@ -3075,7 +3075,7 @@
           </a:prstGeom>
           <a:extLst>
             <a:ext uri="{C572A759-6A51-4108-AA02-DFA0A04FC94B}">
-              <ma14:wrappingTextBoxFlag xmlns:ma14="http://schemas.microsoft.com/office/mac/drawingml/2011/main" xmlns="" val="1"/>
+              <ma14:wrappingTextBoxFlag xmlns="" xmlns:ma14="http://schemas.microsoft.com/office/mac/drawingml/2011/main" val="1"/>
             </a:ext>
           </a:extLst>
         </p:spPr>
@@ -3230,7 +3230,7 @@
           </a:ln>
           <a:extLst>
             <a:ext uri="{C572A759-6A51-4108-AA02-DFA0A04FC94B}">
-              <ma14:wrappingTextBoxFlag xmlns:ma14="http://schemas.microsoft.com/office/mac/drawingml/2011/main" xmlns="" val="1"/>
+              <ma14:wrappingTextBoxFlag xmlns="" xmlns:ma14="http://schemas.microsoft.com/office/mac/drawingml/2011/main" val="1"/>
             </a:ext>
           </a:extLst>
         </p:spPr>
@@ -4892,7 +4892,7 @@
           </a:ln>
           <a:extLst>
             <a:ext uri="{C572A759-6A51-4108-AA02-DFA0A04FC94B}">
-              <ma14:wrappingTextBoxFlag xmlns:ma14="http://schemas.microsoft.com/office/mac/drawingml/2011/main" xmlns="" val="1"/>
+              <ma14:wrappingTextBoxFlag xmlns="" xmlns:ma14="http://schemas.microsoft.com/office/mac/drawingml/2011/main" val="1"/>
             </a:ext>
           </a:extLst>
         </p:spPr>
@@ -5036,7 +5036,7 @@
           </a:ln>
           <a:extLst>
             <a:ext uri="{C572A759-6A51-4108-AA02-DFA0A04FC94B}">
-              <ma14:wrappingTextBoxFlag xmlns:ma14="http://schemas.microsoft.com/office/mac/drawingml/2011/main" xmlns="" val="1"/>
+              <ma14:wrappingTextBoxFlag xmlns="" xmlns:ma14="http://schemas.microsoft.com/office/mac/drawingml/2011/main" val="1"/>
             </a:ext>
           </a:extLst>
         </p:spPr>
@@ -5340,7 +5340,7 @@
           </a:ln>
           <a:extLst>
             <a:ext uri="{C572A759-6A51-4108-AA02-DFA0A04FC94B}">
-              <ma14:wrappingTextBoxFlag xmlns:ma14="http://schemas.microsoft.com/office/mac/drawingml/2011/main" xmlns="" val="1"/>
+              <ma14:wrappingTextBoxFlag xmlns="" xmlns:ma14="http://schemas.microsoft.com/office/mac/drawingml/2011/main" val="1"/>
             </a:ext>
           </a:extLst>
         </p:spPr>
@@ -5422,7 +5422,7 @@
           <a:p>
             <a:r>
               <a:rPr lang="en-US" dirty="0"/>
-              <a:t>Benefits &amp;</a:t>
+              <a:t>Benefits </a:t>
             </a:r>
           </a:p>
           <a:p>
@@ -5430,6 +5430,32 @@
               <a:rPr lang="en-US" dirty="0"/>
               <a:t>Workshop</a:t>
             </a:r>
+          </a:p>
+          <a:p>
+            <a:pPr lvl="1"/>
+            <a:r>
+              <a:rPr lang="en-US" dirty="0"/>
+              <a:t>Volumes</a:t>
+            </a:r>
+          </a:p>
+          <a:p>
+            <a:pPr lvl="1"/>
+            <a:r>
+              <a:rPr lang="en-US" dirty="0"/>
+              <a:t>Networking</a:t>
+            </a:r>
+          </a:p>
+          <a:p>
+            <a:pPr lvl="1"/>
+            <a:r>
+              <a:rPr lang="en-US" dirty="0"/>
+              <a:t>Swarm </a:t>
+            </a:r>
+            <a:r>
+              <a:rPr lang="en-US"/>
+              <a:t>(Optional)</a:t>
+            </a:r>
+            <a:endParaRPr lang="en-US" dirty="0"/>
           </a:p>
           <a:p>
             <a:pPr marL="0" indent="0">

--- a/ppt/DockerWorkshopVSB.pptx
+++ b/ppt/DockerWorkshopVSB.pptx
@@ -12,16 +12,16 @@
   </p:handoutMasterIdLst>
   <p:sldIdLst>
     <p:sldId id="265" r:id="rId2"/>
-    <p:sldId id="307" r:id="rId3"/>
-    <p:sldId id="257" r:id="rId4"/>
-    <p:sldId id="308" r:id="rId5"/>
-    <p:sldId id="309" r:id="rId6"/>
-    <p:sldId id="310" r:id="rId7"/>
-    <p:sldId id="314" r:id="rId8"/>
-    <p:sldId id="311" r:id="rId9"/>
-    <p:sldId id="312" r:id="rId10"/>
+    <p:sldId id="324" r:id="rId3"/>
+    <p:sldId id="323" r:id="rId4"/>
+    <p:sldId id="322" r:id="rId5"/>
+    <p:sldId id="320" r:id="rId6"/>
+    <p:sldId id="321" r:id="rId7"/>
+    <p:sldId id="317" r:id="rId8"/>
+    <p:sldId id="318" r:id="rId9"/>
+    <p:sldId id="319" r:id="rId10"/>
     <p:sldId id="313" r:id="rId11"/>
-    <p:sldId id="259" r:id="rId12"/>
+    <p:sldId id="315" r:id="rId12"/>
     <p:sldId id="262" r:id="rId13"/>
     <p:sldId id="260" r:id="rId14"/>
     <p:sldId id="263" r:id="rId15"/>
@@ -15981,171 +15981,47 @@
           <a:bodyPr/>
           <a:lstStyle/>
           <a:p>
-            <a:pPr marL="0" marR="0" indent="0" defTabSz="914400" eaLnBrk="1" fontAlgn="auto" latinLnBrk="0" hangingPunct="1">
-              <a:lnSpc>
-                <a:spcPct val="100000"/>
-              </a:lnSpc>
-              <a:spcBef>
-                <a:spcPts val="0"/>
-              </a:spcBef>
-              <a:spcAft>
-                <a:spcPts val="0"/>
-              </a:spcAft>
-              <a:buClrTx/>
-              <a:buSzTx/>
-              <a:buFontTx/>
-              <a:buNone/>
-              <a:tabLst/>
-              <a:defRPr/>
-            </a:pPr>
-            <a:r>
-              <a:rPr lang="en-US" sz="1200" dirty="0">
-                <a:effectLst/>
-                <a:latin typeface="+mn-lt"/>
-                <a:ea typeface="+mn-ea"/>
-                <a:cs typeface="+mn-cs"/>
-                <a:sym typeface="Calibri"/>
-              </a:rPr>
-              <a:t>It's lightweight VM</a:t>
-            </a:r>
-          </a:p>
-          <a:p>
-            <a:endParaRPr lang="en-US" sz="1200" b="0" i="0" kern="1200" dirty="0">
-              <a:solidFill>
-                <a:schemeClr val="tx1"/>
-              </a:solidFill>
-              <a:effectLst/>
-              <a:latin typeface="Arial"/>
-              <a:ea typeface="+mn-ea"/>
-              <a:cs typeface="+mn-cs"/>
-            </a:endParaRPr>
-          </a:p>
-          <a:p>
-            <a:r>
-              <a:rPr lang="en-US" sz="1200" b="0" i="0" kern="1200" dirty="0">
-                <a:solidFill>
-                  <a:schemeClr val="tx1"/>
-                </a:solidFill>
-                <a:effectLst/>
-                <a:latin typeface="Arial"/>
-                <a:ea typeface="+mn-ea"/>
-                <a:cs typeface="+mn-cs"/>
-              </a:rPr>
-              <a:t>The industry standard today is to use Virtual Machines (VMs) to run software applications. VMs run applications inside a guest Operating System, which runs on virtual hardware powered by the server’s host OS.</a:t>
-            </a:r>
-          </a:p>
-          <a:p>
-            <a:r>
-              <a:rPr lang="en-US" sz="1200" b="0" i="0" kern="1200" dirty="0">
-                <a:solidFill>
-                  <a:schemeClr val="tx1"/>
-                </a:solidFill>
-                <a:effectLst/>
-                <a:latin typeface="Arial"/>
-                <a:ea typeface="+mn-ea"/>
-                <a:cs typeface="+mn-cs"/>
-              </a:rPr>
-              <a:t>VMs are great at providing full process isolation for applications: there are very few ways a problem in the host operating system can affect the software running in the guest operating system, and vice-versa. But this isolation comes at great cost — the computational overhead spent virtualizing hardware for a guest OS to use is substantial.</a:t>
-            </a:r>
-          </a:p>
-          <a:p>
-            <a:r>
-              <a:rPr lang="en-US" sz="1200" b="0" i="0" kern="1200" dirty="0">
-                <a:solidFill>
-                  <a:schemeClr val="tx1"/>
-                </a:solidFill>
-                <a:effectLst/>
-                <a:latin typeface="Arial"/>
-                <a:ea typeface="+mn-ea"/>
-                <a:cs typeface="+mn-cs"/>
-              </a:rPr>
-              <a:t>Containers take a different approach: by leveraging the low-level mechanics of the host operating system, containers provide most of the isolation of virtual machines at a fraction of the computing power.</a:t>
-            </a:r>
-          </a:p>
-          <a:p>
-            <a:endParaRPr lang="en-US" sz="1200" b="0" i="0" kern="1200" dirty="0">
-              <a:solidFill>
-                <a:schemeClr val="tx1"/>
-              </a:solidFill>
-              <a:effectLst/>
-              <a:latin typeface="Arial"/>
-              <a:ea typeface="+mn-ea"/>
-              <a:cs typeface="+mn-cs"/>
-            </a:endParaRPr>
-          </a:p>
-          <a:p>
-            <a:pPr marL="0" marR="0" indent="0" defTabSz="914400" eaLnBrk="1" fontAlgn="auto" latinLnBrk="0" hangingPunct="1">
-              <a:lnSpc>
-                <a:spcPct val="100000"/>
-              </a:lnSpc>
-              <a:spcBef>
-                <a:spcPts val="0"/>
-              </a:spcBef>
-              <a:spcAft>
-                <a:spcPts val="0"/>
-              </a:spcAft>
-              <a:buClrTx/>
-              <a:buSzTx/>
-              <a:buFontTx/>
-              <a:buNone/>
-              <a:tabLst/>
-              <a:defRPr/>
-            </a:pPr>
-            <a:r>
-              <a:rPr lang="en-US" sz="1200" b="0" i="0" dirty="0">
-                <a:effectLst/>
-                <a:latin typeface="+mn-lt"/>
-                <a:ea typeface="+mn-ea"/>
-                <a:cs typeface="+mn-cs"/>
-                <a:sym typeface="Calibri"/>
-              </a:rPr>
-              <a:t>A full virtualized system gets its own set of resources allocated to it, and does minimal sharing. You get more isolation, but it is much heavier (requires more resources). With </a:t>
-            </a:r>
-            <a:r>
-              <a:rPr lang="en-US" sz="1200" b="0" i="0" dirty="0" err="1">
-                <a:effectLst/>
-                <a:latin typeface="+mn-lt"/>
-                <a:ea typeface="+mn-ea"/>
-                <a:cs typeface="+mn-cs"/>
-                <a:sym typeface="Calibri"/>
-              </a:rPr>
+            <a:r>
+              <a:rPr lang="en-US" b="1" dirty="0"/>
+              <a:t>Docker images </a:t>
+            </a:r>
+            <a:r>
+              <a:rPr lang="en-US" dirty="0"/>
+              <a:t>are the basis of </a:t>
+            </a:r>
+            <a:r>
+              <a:rPr lang="en-US" dirty="0" err="1"/>
+              <a:t>containers.It’s</a:t>
+            </a:r>
+            <a:r>
+              <a:rPr lang="en-US" dirty="0"/>
+              <a:t> a filesystem.  Each time you’ve used </a:t>
+            </a:r>
+            <a:r>
+              <a:rPr lang="en-US" dirty="0" err="1"/>
               <a:t>docker</a:t>
             </a:r>
             <a:r>
-              <a:rPr lang="en-US" sz="1200" b="0" i="0" dirty="0">
-                <a:effectLst/>
-                <a:latin typeface="+mn-lt"/>
-                <a:ea typeface="+mn-ea"/>
-                <a:cs typeface="+mn-cs"/>
-                <a:sym typeface="Calibri"/>
-              </a:rPr>
-              <a:t> you get less isolation, but the containers are lightweight (require fewer resources). So you could easily run thousands of containers on a host, and it won't even blink. Try doing that with Xen, and unless you have a really big host, I don't think it is possible.</a:t>
-            </a:r>
-            <a:endParaRPr lang="en-US" dirty="0"/>
-          </a:p>
-          <a:p>
-            <a:endParaRPr lang="en-US" sz="1200" b="0" i="0" kern="1200" dirty="0">
-              <a:solidFill>
-                <a:schemeClr val="tx1"/>
-              </a:solidFill>
-              <a:effectLst/>
-              <a:latin typeface="Arial"/>
-              <a:ea typeface="+mn-ea"/>
-              <a:cs typeface="+mn-cs"/>
-            </a:endParaRPr>
-          </a:p>
-          <a:p>
-            <a:endParaRPr lang="en-US" dirty="0"/>
-          </a:p>
-          <a:p>
-            <a:endParaRPr lang="en-US" dirty="0"/>
+              <a:rPr lang="en-US" dirty="0"/>
+              <a:t> run you told it which image you wanted.</a:t>
+            </a:r>
+          </a:p>
+          <a:p>
+            <a:r>
+              <a:rPr lang="en-US" b="1" dirty="0"/>
+              <a:t>Each Docker </a:t>
+            </a:r>
+            <a:r>
+              <a:rPr lang="en-US" dirty="0"/>
+              <a:t>image references a list of read-only layers that represent filesystem differences. Layers are stacked on top of each other to form a base for a container’s root filesystem. The diagram below shows the Ubuntu 15.04 image comprising 4 stacked image layers.</a:t>
+            </a:r>
           </a:p>
         </p:txBody>
       </p:sp>
     </p:spTree>
     <p:extLst>
       <p:ext uri="{BB962C8B-B14F-4D97-AF65-F5344CB8AC3E}">
-        <p14:creationId xmlns:p14="http://schemas.microsoft.com/office/powerpoint/2010/main" val="2918927805"/>
+        <p14:creationId xmlns:p14="http://schemas.microsoft.com/office/powerpoint/2010/main" val="956841150"/>
       </p:ext>
     </p:extLst>
   </p:cSld>
@@ -16204,223 +16080,47 @@
           <a:bodyPr/>
           <a:lstStyle/>
           <a:p>
-            <a:pPr marL="0" marR="0" indent="0" defTabSz="914400" eaLnBrk="1" fontAlgn="auto" latinLnBrk="0" hangingPunct="1">
-              <a:lnSpc>
-                <a:spcPct val="100000"/>
-              </a:lnSpc>
-              <a:spcBef>
-                <a:spcPts val="0"/>
-              </a:spcBef>
-              <a:spcAft>
-                <a:spcPts val="0"/>
-              </a:spcAft>
-              <a:buClrTx/>
-              <a:buSzTx/>
-              <a:buFontTx/>
-              <a:buNone/>
-              <a:tabLst/>
-              <a:defRPr/>
-            </a:pPr>
-            <a:r>
-              <a:rPr lang="en-US" sz="1200" b="0" i="0" kern="1200" dirty="0">
-                <a:solidFill>
-                  <a:schemeClr val="tx1"/>
-                </a:solidFill>
-                <a:effectLst/>
-                <a:latin typeface="Arial"/>
-                <a:ea typeface="+mn-ea"/>
-                <a:cs typeface="+mn-cs"/>
-              </a:rPr>
-              <a:t>Docker is a tool that allows developers, sys-admins etc. to easily deploy their applications in a sandbox (called </a:t>
-            </a:r>
-            <a:r>
-              <a:rPr lang="en-US" sz="1200" b="0" i="1" kern="1200" dirty="0">
-                <a:solidFill>
-                  <a:schemeClr val="tx1"/>
-                </a:solidFill>
-                <a:effectLst/>
-                <a:latin typeface="Arial"/>
-                <a:ea typeface="+mn-ea"/>
-                <a:cs typeface="+mn-cs"/>
-              </a:rPr>
-              <a:t>containers</a:t>
-            </a:r>
-            <a:r>
-              <a:rPr lang="en-US" sz="1200" b="0" i="0" kern="1200" dirty="0">
-                <a:solidFill>
-                  <a:schemeClr val="tx1"/>
-                </a:solidFill>
-                <a:effectLst/>
-                <a:latin typeface="Arial"/>
-                <a:ea typeface="+mn-ea"/>
-                <a:cs typeface="+mn-cs"/>
-              </a:rPr>
-              <a:t>) to run on the host operating system i.e. Linux. The key benefit of Docker is that it allows users to </a:t>
-            </a:r>
-            <a:r>
-              <a:rPr lang="en-US" sz="1200" b="1" i="0" kern="1200" dirty="0">
-                <a:solidFill>
-                  <a:schemeClr val="tx1"/>
-                </a:solidFill>
-                <a:effectLst/>
-                <a:latin typeface="Arial"/>
-                <a:ea typeface="+mn-ea"/>
-                <a:cs typeface="+mn-cs"/>
-              </a:rPr>
-              <a:t>package an application with all of its dependencies into a standardized unit</a:t>
-            </a:r>
-            <a:r>
-              <a:rPr lang="en-US" sz="1200" b="0" i="0" kern="1200" dirty="0">
-                <a:solidFill>
-                  <a:schemeClr val="tx1"/>
-                </a:solidFill>
-                <a:effectLst/>
-                <a:latin typeface="Arial"/>
-                <a:ea typeface="+mn-ea"/>
-                <a:cs typeface="+mn-cs"/>
-              </a:rPr>
-              <a:t> for software development. Unlike virtual machines, containers do not have the high overhead and hence enable more efficient usage of the underlying system and resources.</a:t>
-            </a:r>
-          </a:p>
-          <a:p>
-            <a:pPr marL="0" marR="0" indent="0" defTabSz="914400" eaLnBrk="1" fontAlgn="auto" latinLnBrk="0" hangingPunct="1">
-              <a:lnSpc>
-                <a:spcPct val="100000"/>
-              </a:lnSpc>
-              <a:spcBef>
-                <a:spcPts val="0"/>
-              </a:spcBef>
-              <a:spcAft>
-                <a:spcPts val="0"/>
-              </a:spcAft>
-              <a:buClrTx/>
-              <a:buSzTx/>
-              <a:buFontTx/>
-              <a:buNone/>
-              <a:tabLst/>
-              <a:defRPr/>
-            </a:pPr>
-            <a:endParaRPr lang="en-US" sz="1200" b="0" i="0" kern="1200" dirty="0">
-              <a:solidFill>
-                <a:schemeClr val="tx1"/>
-              </a:solidFill>
-              <a:effectLst/>
-              <a:latin typeface="Arial"/>
-              <a:ea typeface="+mn-ea"/>
-              <a:cs typeface="+mn-cs"/>
-            </a:endParaRPr>
-          </a:p>
-          <a:p>
-            <a:pPr marL="0" marR="0" indent="0" defTabSz="914400" eaLnBrk="1" fontAlgn="auto" latinLnBrk="0" hangingPunct="1">
-              <a:lnSpc>
-                <a:spcPct val="100000"/>
-              </a:lnSpc>
-              <a:spcBef>
-                <a:spcPts val="0"/>
-              </a:spcBef>
-              <a:spcAft>
-                <a:spcPts val="0"/>
-              </a:spcAft>
-              <a:buClrTx/>
-              <a:buSzTx/>
-              <a:buFontTx/>
-              <a:buNone/>
-              <a:tabLst/>
-              <a:defRPr/>
-            </a:pPr>
-            <a:r>
-              <a:rPr lang="en-US" sz="1200" b="0" i="0" dirty="0">
-                <a:effectLst/>
-                <a:latin typeface="+mn-lt"/>
-                <a:ea typeface="+mn-ea"/>
-                <a:cs typeface="+mn-cs"/>
-                <a:sym typeface="Calibri"/>
-              </a:rPr>
-              <a:t>Using containers, everything required to make a piece of software run is packaged into isolated containers. Unlike VMs, containers do not bundle a full operating system - only libraries and settings required to make the software work are needed. This makes for efficient, lightweight, self-contained systems that guarantees software will always run the same, regardless of where it’s deployed.</a:t>
-            </a:r>
-          </a:p>
-          <a:p>
-            <a:pPr marL="0" marR="0" indent="0" defTabSz="914400" eaLnBrk="1" fontAlgn="auto" latinLnBrk="0" hangingPunct="1">
-              <a:lnSpc>
-                <a:spcPct val="100000"/>
-              </a:lnSpc>
-              <a:spcBef>
-                <a:spcPts val="0"/>
-              </a:spcBef>
-              <a:spcAft>
-                <a:spcPts val="0"/>
-              </a:spcAft>
-              <a:buClrTx/>
-              <a:buSzTx/>
-              <a:buFontTx/>
-              <a:buNone/>
-              <a:tabLst/>
-              <a:defRPr/>
-            </a:pPr>
-            <a:endParaRPr lang="en-US" sz="1200" b="0" i="0" dirty="0">
-              <a:effectLst/>
-              <a:latin typeface="+mn-lt"/>
-              <a:ea typeface="+mn-ea"/>
-              <a:cs typeface="+mn-cs"/>
-              <a:sym typeface="Calibri"/>
-            </a:endParaRPr>
-          </a:p>
-          <a:p>
-            <a:pPr marL="0" marR="0" indent="0" defTabSz="914400" eaLnBrk="1" fontAlgn="auto" latinLnBrk="0" hangingPunct="1">
-              <a:lnSpc>
-                <a:spcPct val="100000"/>
-              </a:lnSpc>
-              <a:spcBef>
-                <a:spcPts val="0"/>
-              </a:spcBef>
-              <a:spcAft>
-                <a:spcPts val="0"/>
-              </a:spcAft>
-              <a:buClrTx/>
-              <a:buSzTx/>
-              <a:buFontTx/>
-              <a:buNone/>
-              <a:tabLst/>
-              <a:defRPr/>
-            </a:pPr>
-            <a:r>
-              <a:rPr lang="en-US" sz="1200" b="0" i="0" dirty="0">
-                <a:effectLst/>
-                <a:latin typeface="+mn-lt"/>
-                <a:ea typeface="+mn-ea"/>
-                <a:cs typeface="+mn-cs"/>
-                <a:sym typeface="Calibri"/>
-              </a:rPr>
-              <a:t>A full virtualized system gets its own set of resources allocated to it, and does minimal sharing. You get more isolation, but it is much heavier (requires more resources). With </a:t>
-            </a:r>
-            <a:r>
-              <a:rPr lang="en-US" sz="1200" b="0" i="0" dirty="0" err="1">
-                <a:effectLst/>
-                <a:latin typeface="+mn-lt"/>
-                <a:ea typeface="+mn-ea"/>
-                <a:cs typeface="+mn-cs"/>
-                <a:sym typeface="Calibri"/>
-              </a:rPr>
+            <a:r>
+              <a:rPr lang="en-US" b="1" dirty="0"/>
+              <a:t>Docker images </a:t>
+            </a:r>
+            <a:r>
+              <a:rPr lang="en-US" dirty="0"/>
+              <a:t>are the basis of </a:t>
+            </a:r>
+            <a:r>
+              <a:rPr lang="en-US" dirty="0" err="1"/>
+              <a:t>containers.It’s</a:t>
+            </a:r>
+            <a:r>
+              <a:rPr lang="en-US" dirty="0"/>
+              <a:t> a filesystem.  Each time you’ve used </a:t>
+            </a:r>
+            <a:r>
+              <a:rPr lang="en-US" dirty="0" err="1"/>
               <a:t>docker</a:t>
             </a:r>
             <a:r>
-              <a:rPr lang="en-US" sz="1200" b="0" i="0" dirty="0">
-                <a:effectLst/>
-                <a:latin typeface="+mn-lt"/>
-                <a:ea typeface="+mn-ea"/>
-                <a:cs typeface="+mn-cs"/>
-                <a:sym typeface="Calibri"/>
-              </a:rPr>
-              <a:t> you get less isolation, but the containers are lightweight (require fewer resources). So you could easily run thousands of containers on a host, and it won't even blink. Try doing that with Xen, and unless you have a really big host, I don't think it is possible.</a:t>
-            </a:r>
-            <a:endParaRPr lang="en-US" dirty="0"/>
+              <a:rPr lang="en-US" dirty="0"/>
+              <a:t> run you told it which image you wanted.</a:t>
+            </a:r>
+          </a:p>
+          <a:p>
+            <a:r>
+              <a:rPr lang="en-US" b="1" dirty="0"/>
+              <a:t>Each Docker </a:t>
+            </a:r>
+            <a:r>
+              <a:rPr lang="en-US" dirty="0"/>
+              <a:t>image references a list of read-only layers that represent filesystem differences. Layers are stacked on top of each other to form a base for a container’s root filesystem. The diagram below shows the Ubuntu 15.04 image comprising 4 stacked image layers.</a:t>
+            </a:r>
           </a:p>
         </p:txBody>
       </p:sp>
     </p:spTree>
     <p:extLst>
       <p:ext uri="{BB962C8B-B14F-4D97-AF65-F5344CB8AC3E}">
-        <p14:creationId xmlns:p14="http://schemas.microsoft.com/office/powerpoint/2010/main" val="234795071"/>
+        <p14:creationId xmlns:p14="http://schemas.microsoft.com/office/powerpoint/2010/main" val="407134755"/>
       </p:ext>
     </p:extLst>
   </p:cSld>
@@ -16479,105 +16179,6 @@
           <a:bodyPr/>
           <a:lstStyle/>
           <a:p>
-            <a:r>
-              <a:rPr lang="en-US" b="1" dirty="0"/>
-              <a:t>Docker images </a:t>
-            </a:r>
-            <a:r>
-              <a:rPr lang="en-US" dirty="0"/>
-              <a:t>are the basis of </a:t>
-            </a:r>
-            <a:r>
-              <a:rPr lang="en-US" dirty="0" err="1"/>
-              <a:t>containers.It’s</a:t>
-            </a:r>
-            <a:r>
-              <a:rPr lang="en-US" dirty="0"/>
-              <a:t> a filesystem.  Each time you’ve used </a:t>
-            </a:r>
-            <a:r>
-              <a:rPr lang="en-US" dirty="0" err="1"/>
-              <a:t>docker</a:t>
-            </a:r>
-            <a:r>
-              <a:rPr lang="en-US" dirty="0"/>
-              <a:t> run you told it which image you wanted.</a:t>
-            </a:r>
-          </a:p>
-          <a:p>
-            <a:r>
-              <a:rPr lang="en-US" b="1" dirty="0"/>
-              <a:t>Each Docker </a:t>
-            </a:r>
-            <a:r>
-              <a:rPr lang="en-US" dirty="0"/>
-              <a:t>image references a list of read-only layers that represent filesystem differences. Layers are stacked on top of each other to form a base for a container’s root filesystem. The diagram below shows the Ubuntu 15.04 image comprising 4 stacked image layers.</a:t>
-            </a:r>
-          </a:p>
-        </p:txBody>
-      </p:sp>
-    </p:spTree>
-    <p:extLst>
-      <p:ext uri="{BB962C8B-B14F-4D97-AF65-F5344CB8AC3E}">
-        <p14:creationId xmlns:p14="http://schemas.microsoft.com/office/powerpoint/2010/main" val="407134755"/>
-      </p:ext>
-    </p:extLst>
-  </p:cSld>
-  <p:clrMapOvr>
-    <a:masterClrMapping/>
-  </p:clrMapOvr>
-</p:notes>
-</file>
-
-<file path=ppt/notesSlides/notesSlide4.xml><?xml version="1.0" encoding="utf-8"?>
-<p:notes xmlns:a="http://schemas.openxmlformats.org/drawingml/2006/main" xmlns:r="http://schemas.openxmlformats.org/officeDocument/2006/relationships" xmlns:p="http://schemas.openxmlformats.org/presentationml/2006/main">
-  <p:cSld>
-    <p:spTree>
-      <p:nvGrpSpPr>
-        <p:cNvPr id="1" name=""/>
-        <p:cNvGrpSpPr/>
-        <p:nvPr/>
-      </p:nvGrpSpPr>
-      <p:grpSpPr>
-        <a:xfrm>
-          <a:off x="0" y="0"/>
-          <a:ext cx="0" cy="0"/>
-          <a:chOff x="0" y="0"/>
-          <a:chExt cx="0" cy="0"/>
-        </a:xfrm>
-      </p:grpSpPr>
-      <p:sp>
-        <p:nvSpPr>
-          <p:cNvPr id="2" name="Slide Image Placeholder 1"/>
-          <p:cNvSpPr>
-            <a:spLocks noGrp="1" noRot="1" noChangeAspect="1"/>
-          </p:cNvSpPr>
-          <p:nvPr>
-            <p:ph type="sldImg"/>
-          </p:nvPr>
-        </p:nvSpPr>
-        <p:spPr>
-          <a:xfrm>
-            <a:off x="381000" y="685800"/>
-            <a:ext cx="6096000" cy="3429000"/>
-          </a:xfrm>
-        </p:spPr>
-      </p:sp>
-      <p:sp>
-        <p:nvSpPr>
-          <p:cNvPr id="3" name="Notes Placeholder 2"/>
-          <p:cNvSpPr>
-            <a:spLocks noGrp="1"/>
-          </p:cNvSpPr>
-          <p:nvPr>
-            <p:ph type="body" idx="1"/>
-          </p:nvPr>
-        </p:nvSpPr>
-        <p:spPr/>
-        <p:txBody>
-          <a:bodyPr/>
-          <a:lstStyle/>
-          <a:p>
             <a:pPr marL="0" marR="0" indent="0" defTabSz="914400" eaLnBrk="1" fontAlgn="auto" latinLnBrk="0" hangingPunct="1">
               <a:lnSpc>
                 <a:spcPct val="100000"/>
@@ -16624,7 +16225,7 @@
 </p:notes>
 </file>
 
-<file path=ppt/notesSlides/notesSlide5.xml><?xml version="1.0" encoding="utf-8"?>
+<file path=ppt/notesSlides/notesSlide4.xml><?xml version="1.0" encoding="utf-8"?>
 <p:notes xmlns:a="http://schemas.openxmlformats.org/drawingml/2006/main" xmlns:r="http://schemas.openxmlformats.org/officeDocument/2006/relationships" xmlns:p="http://schemas.openxmlformats.org/presentationml/2006/main">
   <p:cSld>
     <p:spTree>
@@ -16842,7 +16443,7 @@
           </a:prstGeom>
           <a:extLst>
             <a:ext uri="{C572A759-6A51-4108-AA02-DFA0A04FC94B}">
-              <ma14:wrappingTextBoxFlag xmlns:ma14="http://schemas.microsoft.com/office/mac/drawingml/2011/main" xmlns="" val="1"/>
+              <ma14:wrappingTextBoxFlag xmlns="" xmlns:ma14="http://schemas.microsoft.com/office/mac/drawingml/2011/main" val="1"/>
             </a:ext>
           </a:extLst>
         </p:spPr>
@@ -16882,7 +16483,7 @@
           <p:nvPr userDrawn="1"/>
         </p:nvPicPr>
         <p:blipFill>
-          <a:blip r:embed="rId4">
+          <a:blip r:embed="rId4" cstate="print">
             <a:extLst>
               <a:ext uri="{28A0092B-C50C-407E-A947-70E740481C1C}">
                 <a14:useLocalDpi xmlns:a14="http://schemas.microsoft.com/office/drawing/2010/main" val="0"/>
@@ -16975,7 +16576,7 @@
           </a:prstGeom>
           <a:extLst>
             <a:ext uri="{C572A759-6A51-4108-AA02-DFA0A04FC94B}">
-              <ma14:wrappingTextBoxFlag xmlns:ma14="http://schemas.microsoft.com/office/mac/drawingml/2011/main" xmlns="" val="1"/>
+              <ma14:wrappingTextBoxFlag xmlns="" xmlns:ma14="http://schemas.microsoft.com/office/mac/drawingml/2011/main" val="1"/>
             </a:ext>
           </a:extLst>
         </p:spPr>
@@ -18176,7 +17777,7 @@
           </a:prstGeom>
           <a:extLst>
             <a:ext uri="{C572A759-6A51-4108-AA02-DFA0A04FC94B}">
-              <ma14:wrappingTextBoxFlag xmlns:ma14="http://schemas.microsoft.com/office/mac/drawingml/2011/main" xmlns="" val="1"/>
+              <ma14:wrappingTextBoxFlag xmlns="" xmlns:ma14="http://schemas.microsoft.com/office/mac/drawingml/2011/main" val="1"/>
             </a:ext>
           </a:extLst>
         </p:spPr>
@@ -19440,7 +19041,7 @@
           </a:prstGeom>
           <a:extLst>
             <a:ext uri="{C572A759-6A51-4108-AA02-DFA0A04FC94B}">
-              <ma14:wrappingTextBoxFlag xmlns:ma14="http://schemas.microsoft.com/office/mac/drawingml/2011/main" xmlns="" val="1"/>
+              <ma14:wrappingTextBoxFlag xmlns="" xmlns:ma14="http://schemas.microsoft.com/office/mac/drawingml/2011/main" val="1"/>
             </a:ext>
           </a:extLst>
         </p:spPr>
@@ -20704,7 +20305,7 @@
           </a:prstGeom>
           <a:extLst>
             <a:ext uri="{C572A759-6A51-4108-AA02-DFA0A04FC94B}">
-              <ma14:wrappingTextBoxFlag xmlns:ma14="http://schemas.microsoft.com/office/mac/drawingml/2011/main" xmlns="" val="1"/>
+              <ma14:wrappingTextBoxFlag xmlns="" xmlns:ma14="http://schemas.microsoft.com/office/mac/drawingml/2011/main" val="1"/>
             </a:ext>
           </a:extLst>
         </p:spPr>
@@ -21968,7 +21569,7 @@
           </a:prstGeom>
           <a:extLst>
             <a:ext uri="{C572A759-6A51-4108-AA02-DFA0A04FC94B}">
-              <ma14:wrappingTextBoxFlag xmlns:ma14="http://schemas.microsoft.com/office/mac/drawingml/2011/main" xmlns="" val="1"/>
+              <ma14:wrappingTextBoxFlag xmlns="" xmlns:ma14="http://schemas.microsoft.com/office/mac/drawingml/2011/main" val="1"/>
             </a:ext>
           </a:extLst>
         </p:spPr>
@@ -22942,7 +22543,7 @@
           </a:prstGeom>
           <a:extLst>
             <a:ext uri="{C572A759-6A51-4108-AA02-DFA0A04FC94B}">
-              <ma14:wrappingTextBoxFlag xmlns:ma14="http://schemas.microsoft.com/office/mac/drawingml/2011/main" xmlns="" val="1"/>
+              <ma14:wrappingTextBoxFlag xmlns="" xmlns:ma14="http://schemas.microsoft.com/office/mac/drawingml/2011/main" val="1"/>
             </a:ext>
           </a:extLst>
         </p:spPr>
@@ -23916,7 +23517,7 @@
           </a:prstGeom>
           <a:extLst>
             <a:ext uri="{C572A759-6A51-4108-AA02-DFA0A04FC94B}">
-              <ma14:wrappingTextBoxFlag xmlns:ma14="http://schemas.microsoft.com/office/mac/drawingml/2011/main" xmlns="" val="1"/>
+              <ma14:wrappingTextBoxFlag xmlns="" xmlns:ma14="http://schemas.microsoft.com/office/mac/drawingml/2011/main" val="1"/>
             </a:ext>
           </a:extLst>
         </p:spPr>
@@ -26360,7 +25961,7 @@
           </a:prstGeom>
           <a:extLst>
             <a:ext uri="{C572A759-6A51-4108-AA02-DFA0A04FC94B}">
-              <ma14:wrappingTextBoxFlag xmlns:ma14="http://schemas.microsoft.com/office/mac/drawingml/2011/main" xmlns="" val="1"/>
+              <ma14:wrappingTextBoxFlag xmlns="" xmlns:ma14="http://schemas.microsoft.com/office/mac/drawingml/2011/main" val="1"/>
             </a:ext>
           </a:extLst>
         </p:spPr>
@@ -26400,7 +26001,7 @@
           <p:nvPr userDrawn="1"/>
         </p:nvPicPr>
         <p:blipFill>
-          <a:blip r:embed="rId4">
+          <a:blip r:embed="rId4" cstate="print">
             <a:extLst>
               <a:ext uri="{28A0092B-C50C-407E-A947-70E740481C1C}">
                 <a14:useLocalDpi xmlns:a14="http://schemas.microsoft.com/office/drawing/2010/main" val="0"/>
@@ -32038,7 +31639,7 @@
           </a:prstGeom>
           <a:extLst>
             <a:ext uri="{C572A759-6A51-4108-AA02-DFA0A04FC94B}">
-              <ma14:wrappingTextBoxFlag xmlns:ma14="http://schemas.microsoft.com/office/mac/drawingml/2011/main" xmlns="" val="1"/>
+              <ma14:wrappingTextBoxFlag xmlns="" xmlns:ma14="http://schemas.microsoft.com/office/mac/drawingml/2011/main" val="1"/>
             </a:ext>
           </a:extLst>
         </p:spPr>
@@ -33958,7 +33559,7 @@
           </a:prstGeom>
           <a:extLst>
             <a:ext uri="{C572A759-6A51-4108-AA02-DFA0A04FC94B}">
-              <ma14:wrappingTextBoxFlag xmlns:ma14="http://schemas.microsoft.com/office/mac/drawingml/2011/main" xmlns="" val="1"/>
+              <ma14:wrappingTextBoxFlag xmlns="" xmlns:ma14="http://schemas.microsoft.com/office/mac/drawingml/2011/main" val="1"/>
             </a:ext>
           </a:extLst>
         </p:spPr>
@@ -34097,7 +33698,7 @@
           </a:ln>
           <a:extLst>
             <a:ext uri="{C572A759-6A51-4108-AA02-DFA0A04FC94B}">
-              <ma14:wrappingTextBoxFlag xmlns:ma14="http://schemas.microsoft.com/office/mac/drawingml/2011/main" xmlns="" val="1"/>
+              <ma14:wrappingTextBoxFlag xmlns="" xmlns:ma14="http://schemas.microsoft.com/office/mac/drawingml/2011/main" val="1"/>
             </a:ext>
           </a:extLst>
         </p:spPr>
@@ -34397,7 +33998,7 @@
           </a:prstGeom>
           <a:extLst>
             <a:ext uri="{C572A759-6A51-4108-AA02-DFA0A04FC94B}">
-              <ma14:wrappingTextBoxFlag xmlns:ma14="http://schemas.microsoft.com/office/mac/drawingml/2011/main" xmlns="" val="1"/>
+              <ma14:wrappingTextBoxFlag xmlns="" xmlns:ma14="http://schemas.microsoft.com/office/mac/drawingml/2011/main" val="1"/>
             </a:ext>
           </a:extLst>
         </p:spPr>
@@ -34996,7 +34597,7 @@
           </a:prstGeom>
           <a:extLst>
             <a:ext uri="{C572A759-6A51-4108-AA02-DFA0A04FC94B}">
-              <ma14:wrappingTextBoxFlag xmlns:ma14="http://schemas.microsoft.com/office/mac/drawingml/2011/main" xmlns="" val="1"/>
+              <ma14:wrappingTextBoxFlag xmlns="" xmlns:ma14="http://schemas.microsoft.com/office/mac/drawingml/2011/main" val="1"/>
             </a:ext>
           </a:extLst>
         </p:spPr>
@@ -35934,7 +35535,7 @@
           </a:prstGeom>
           <a:extLst>
             <a:ext uri="{C572A759-6A51-4108-AA02-DFA0A04FC94B}">
-              <ma14:wrappingTextBoxFlag xmlns:ma14="http://schemas.microsoft.com/office/mac/drawingml/2011/main" xmlns="" val="1"/>
+              <ma14:wrappingTextBoxFlag xmlns="" xmlns:ma14="http://schemas.microsoft.com/office/mac/drawingml/2011/main" val="1"/>
             </a:ext>
           </a:extLst>
         </p:spPr>
@@ -36908,7 +36509,7 @@
           </a:prstGeom>
           <a:extLst>
             <a:ext uri="{C572A759-6A51-4108-AA02-DFA0A04FC94B}">
-              <ma14:wrappingTextBoxFlag xmlns:ma14="http://schemas.microsoft.com/office/mac/drawingml/2011/main" xmlns="" val="1"/>
+              <ma14:wrappingTextBoxFlag xmlns="" xmlns:ma14="http://schemas.microsoft.com/office/mac/drawingml/2011/main" val="1"/>
             </a:ext>
           </a:extLst>
         </p:spPr>
@@ -37882,7 +37483,7 @@
           </a:prstGeom>
           <a:extLst>
             <a:ext uri="{C572A759-6A51-4108-AA02-DFA0A04FC94B}">
-              <ma14:wrappingTextBoxFlag xmlns:ma14="http://schemas.microsoft.com/office/mac/drawingml/2011/main" xmlns="" val="1"/>
+              <ma14:wrappingTextBoxFlag xmlns="" xmlns:ma14="http://schemas.microsoft.com/office/mac/drawingml/2011/main" val="1"/>
             </a:ext>
           </a:extLst>
         </p:spPr>
@@ -39306,7 +38907,7 @@
           </a:prstGeom>
           <a:extLst>
             <a:ext uri="{C572A759-6A51-4108-AA02-DFA0A04FC94B}">
-              <ma14:wrappingTextBoxFlag xmlns:ma14="http://schemas.microsoft.com/office/mac/drawingml/2011/main" xmlns="" val="1"/>
+              <ma14:wrappingTextBoxFlag xmlns="" xmlns:ma14="http://schemas.microsoft.com/office/mac/drawingml/2011/main" val="1"/>
             </a:ext>
           </a:extLst>
         </p:spPr>
@@ -39750,7 +39351,7 @@
           <p:nvPr userDrawn="1"/>
         </p:nvPicPr>
         <p:blipFill>
-          <a:blip r:embed="rId36">
+          <a:blip r:embed="rId36" cstate="print">
             <a:extLst>
               <a:ext uri="{28A0092B-C50C-407E-A947-70E740481C1C}">
                 <a14:useLocalDpi xmlns:a14="http://schemas.microsoft.com/office/drawing/2010/main" val="0"/>
@@ -40908,8 +40509,8 @@
               <a:t>Docker workshop VSB – Centrum </a:t>
             </a:r>
             <a:r>
-              <a:rPr lang="en-US" dirty="0" err="1"/>
-              <a:t>vzdelaveni</a:t>
+              <a:rPr lang="cs-CZ" dirty="0"/>
+              <a:t>vzdělávání</a:t>
             </a:r>
             <a:endParaRPr lang="en-US" dirty="0"/>
           </a:p>
@@ -40973,13 +40574,20 @@
             <p:ph type="title"/>
           </p:nvPr>
         </p:nvSpPr>
-        <p:spPr/>
+        <p:spPr>
+          <a:xfrm>
+            <a:off x="177164" y="164131"/>
+            <a:ext cx="10515600" cy="618385"/>
+          </a:xfrm>
+        </p:spPr>
         <p:txBody>
-          <a:bodyPr/>
+          <a:bodyPr>
+            <a:normAutofit/>
+          </a:bodyPr>
           <a:lstStyle/>
           <a:p>
             <a:r>
-              <a:rPr lang="en-US" dirty="0"/>
+              <a:rPr lang="en-US" sz="2900" b="0" dirty="0"/>
               <a:t>Support microservices and modular design</a:t>
             </a:r>
           </a:p>
@@ -41121,18 +40729,18 @@
         </p:nvSpPr>
         <p:spPr>
           <a:xfrm>
-            <a:off x="177164" y="390578"/>
-            <a:ext cx="9860282" cy="514353"/>
+            <a:off x="176920" y="154820"/>
+            <a:ext cx="10515600" cy="618385"/>
           </a:xfrm>
         </p:spPr>
         <p:txBody>
           <a:bodyPr>
-            <a:normAutofit fontScale="90000"/>
+            <a:normAutofit/>
           </a:bodyPr>
           <a:lstStyle/>
           <a:p>
             <a:r>
-              <a:rPr lang="en-US" dirty="0"/>
+              <a:rPr lang="en-US" sz="2900" b="0" dirty="0"/>
               <a:t>Docker</a:t>
             </a:r>
           </a:p>
@@ -41150,12 +40758,14 @@
         </p:nvSpPr>
         <p:spPr>
           <a:xfrm>
-            <a:off x="177164" y="904931"/>
-            <a:ext cx="11835766" cy="3339103"/>
+            <a:off x="179314" y="773205"/>
+            <a:ext cx="11835766" cy="3262082"/>
           </a:xfrm>
         </p:spPr>
         <p:txBody>
-          <a:bodyPr/>
+          <a:bodyPr>
+            <a:normAutofit/>
+          </a:bodyPr>
           <a:lstStyle/>
           <a:p>
             <a:pPr marL="0" indent="0">
@@ -41179,8 +40789,12 @@
               <a:buNone/>
             </a:pPr>
             <a:r>
-              <a:rPr lang="en-US" dirty="0"/>
-              <a:t> Wikipedia defines Docker as:</a:t>
+              <a:rPr lang="en-US" sz="2800" dirty="0"/>
+              <a:t> </a:t>
+            </a:r>
+            <a:r>
+              <a:rPr lang="en-US" dirty="0"/>
+              <a:t>Wikipedia defines Docker as:</a:t>
             </a:r>
           </a:p>
           <a:p>
@@ -41189,7 +40803,7 @@
             </a:pPr>
             <a:r>
               <a:rPr lang="en-US" dirty="0"/>
-              <a:t>	 an open-source project that automates the deployment of software applications 	inside </a:t>
+              <a:t>	an open-source project that automates the deployment of software applications 	inside </a:t>
             </a:r>
             <a:r>
               <a:rPr lang="en-US" b="1" dirty="0"/>
@@ -41197,11 +40811,19 @@
             </a:r>
             <a:r>
               <a:rPr lang="en-US" dirty="0"/>
-              <a:t> by providing an additional layer of abstraction and automation 	of </a:t>
+              <a:t> by providing an additional layer of abstraction and automation of </a:t>
             </a:r>
             <a:r>
               <a:rPr lang="en-US" b="1" dirty="0"/>
-              <a:t>OS-level virtualization</a:t>
+              <a:t>OS-level</a:t>
+            </a:r>
+            <a:r>
+              <a:rPr lang="cs-CZ" b="1" dirty="0"/>
+              <a:t> 	</a:t>
+            </a:r>
+            <a:r>
+              <a:rPr lang="en-US" b="1" dirty="0"/>
+              <a:t>virtualization</a:t>
             </a:r>
             <a:r>
               <a:rPr lang="en-US" dirty="0"/>
@@ -41230,33 +40852,19 @@
             <a:pPr marL="0" indent="0">
               <a:buNone/>
             </a:pPr>
-            <a:endParaRPr lang="en-US" dirty="0"/>
-          </a:p>
-          <a:p>
-            <a:pPr marL="0" marR="0" lvl="0" indent="0" defTabSz="914400" eaLnBrk="1" fontAlgn="auto" latinLnBrk="0" hangingPunct="1">
-              <a:lnSpc>
-                <a:spcPct val="100000"/>
-              </a:lnSpc>
-              <a:spcBef>
-                <a:spcPts val="0"/>
-              </a:spcBef>
-              <a:spcAft>
-                <a:spcPts val="0"/>
-              </a:spcAft>
-              <a:buClrTx/>
-              <a:buSzTx/>
-              <a:buFontTx/>
-              <a:buNone/>
-              <a:tabLst/>
-              <a:defRPr/>
-            </a:pPr>
-            <a:endParaRPr lang="en-US" dirty="0"/>
+            <a:endParaRPr lang="en-US" sz="2800" dirty="0"/>
           </a:p>
         </p:txBody>
       </p:sp>
       <p:pic>
         <p:nvPicPr>
-          <p:cNvPr id="4" name="Picture 3"/>
+          <p:cNvPr id="5" name="Picture 4">
+            <a:extLst>
+              <a:ext uri="{FF2B5EF4-FFF2-40B4-BE49-F238E27FC236}">
+                <a16:creationId xmlns:a16="http://schemas.microsoft.com/office/drawing/2014/main" id="{24ADB9E7-6A91-EA48-B4FE-30907DD5C3E8}"/>
+              </a:ext>
+            </a:extLst>
+          </p:cNvPr>
           <p:cNvPicPr>
             <a:picLocks noChangeAspect="1"/>
           </p:cNvPicPr>
@@ -41287,7 +40895,7 @@
     </p:spTree>
     <p:extLst>
       <p:ext uri="{BB962C8B-B14F-4D97-AF65-F5344CB8AC3E}">
-        <p14:creationId xmlns:p14="http://schemas.microsoft.com/office/powerpoint/2010/main" val="779393598"/>
+        <p14:creationId xmlns:p14="http://schemas.microsoft.com/office/powerpoint/2010/main" val="1822116309"/>
       </p:ext>
     </p:extLst>
   </p:cSld>
@@ -41325,13 +40933,20 @@
             <p:ph type="title"/>
           </p:nvPr>
         </p:nvSpPr>
-        <p:spPr/>
+        <p:spPr>
+          <a:xfrm>
+            <a:off x="176920" y="154820"/>
+            <a:ext cx="10515600" cy="618385"/>
+          </a:xfrm>
+        </p:spPr>
         <p:txBody>
-          <a:bodyPr/>
+          <a:bodyPr>
+            <a:normAutofit/>
+          </a:bodyPr>
           <a:lstStyle/>
           <a:p>
             <a:r>
-              <a:rPr lang="en-US" dirty="0"/>
+              <a:rPr lang="en-US" sz="2900" b="0" dirty="0"/>
               <a:t>Docker</a:t>
             </a:r>
           </a:p>
@@ -41349,7 +40964,7 @@
         </p:nvSpPr>
         <p:spPr>
           <a:xfrm>
-            <a:off x="266372" y="773205"/>
+            <a:off x="179314" y="773205"/>
             <a:ext cx="11835766" cy="4895216"/>
           </a:xfrm>
         </p:spPr>
@@ -41402,7 +41017,7 @@
           </a:ln>
           <a:extLst>
             <a:ext uri="{C572A759-6A51-4108-AA02-DFA0A04FC94B}">
-              <ma14:wrappingTextBoxFlag xmlns:ma14="http://schemas.microsoft.com/office/mac/drawingml/2011/main" xmlns="" val="1"/>
+              <ma14:wrappingTextBoxFlag xmlns="" xmlns:ma14="http://schemas.microsoft.com/office/mac/drawingml/2011/main" val="1"/>
             </a:ext>
           </a:extLst>
         </p:spPr>
@@ -41448,13 +41063,20 @@
             <p:ph type="title"/>
           </p:nvPr>
         </p:nvSpPr>
-        <p:spPr/>
+        <p:spPr>
+          <a:xfrm>
+            <a:off x="176920" y="154820"/>
+            <a:ext cx="10515600" cy="618385"/>
+          </a:xfrm>
+        </p:spPr>
         <p:txBody>
-          <a:bodyPr/>
+          <a:bodyPr>
+            <a:normAutofit/>
+          </a:bodyPr>
           <a:lstStyle/>
           <a:p>
             <a:r>
-              <a:rPr lang="en-US" dirty="0"/>
+              <a:rPr lang="en-US" sz="2900" b="0" dirty="0"/>
               <a:t>Docker</a:t>
             </a:r>
           </a:p>
@@ -41472,7 +41094,7 @@
         </p:nvSpPr>
         <p:spPr>
           <a:xfrm>
-            <a:off x="266372" y="773205"/>
+            <a:off x="178117" y="781097"/>
             <a:ext cx="11835766" cy="4895216"/>
           </a:xfrm>
         </p:spPr>
@@ -41551,7 +41173,7 @@
           </a:ln>
           <a:extLst>
             <a:ext uri="{C572A759-6A51-4108-AA02-DFA0A04FC94B}">
-              <ma14:wrappingTextBoxFlag xmlns:ma14="http://schemas.microsoft.com/office/mac/drawingml/2011/main" xmlns="" val="1"/>
+              <ma14:wrappingTextBoxFlag xmlns="" xmlns:ma14="http://schemas.microsoft.com/office/mac/drawingml/2011/main" val="1"/>
             </a:ext>
           </a:extLst>
         </p:spPr>
@@ -41597,13 +41219,20 @@
             <p:ph type="title"/>
           </p:nvPr>
         </p:nvSpPr>
-        <p:spPr/>
+        <p:spPr>
+          <a:xfrm>
+            <a:off x="176919" y="154820"/>
+            <a:ext cx="10515600" cy="618385"/>
+          </a:xfrm>
+        </p:spPr>
         <p:txBody>
-          <a:bodyPr/>
+          <a:bodyPr>
+            <a:normAutofit/>
+          </a:bodyPr>
           <a:lstStyle/>
           <a:p>
             <a:r>
-              <a:rPr lang="en-US" dirty="0"/>
+              <a:rPr lang="en-US" sz="2900" b="0" dirty="0"/>
               <a:t>Docker</a:t>
             </a:r>
           </a:p>
@@ -41621,7 +41250,7 @@
         </p:nvSpPr>
         <p:spPr>
           <a:xfrm>
-            <a:off x="356234" y="773205"/>
+            <a:off x="176919" y="791036"/>
             <a:ext cx="11262609" cy="3887743"/>
           </a:xfrm>
         </p:spPr>
@@ -41769,13 +41398,20 @@
             <p:ph type="title"/>
           </p:nvPr>
         </p:nvSpPr>
-        <p:spPr/>
+        <p:spPr>
+          <a:xfrm>
+            <a:off x="176920" y="154820"/>
+            <a:ext cx="10515600" cy="618385"/>
+          </a:xfrm>
+        </p:spPr>
         <p:txBody>
-          <a:bodyPr/>
+          <a:bodyPr>
+            <a:normAutofit/>
+          </a:bodyPr>
           <a:lstStyle/>
           <a:p>
             <a:r>
-              <a:rPr lang="en-US" dirty="0"/>
+              <a:rPr lang="en-US" sz="2900" b="0" dirty="0"/>
               <a:t>Docker</a:t>
             </a:r>
           </a:p>
@@ -41793,7 +41429,7 @@
         </p:nvSpPr>
         <p:spPr>
           <a:xfrm>
-            <a:off x="266372" y="773205"/>
+            <a:off x="179314" y="773205"/>
             <a:ext cx="11835766" cy="4895216"/>
           </a:xfrm>
         </p:spPr>
@@ -41849,7 +41485,7 @@
         </p:blipFill>
         <p:spPr>
           <a:xfrm>
-            <a:off x="356234" y="1401529"/>
+            <a:off x="266782" y="1391590"/>
             <a:ext cx="11421636" cy="2873629"/>
           </a:xfrm>
           <a:prstGeom prst="rect">
@@ -41860,7 +41496,7 @@
           </a:ln>
           <a:extLst>
             <a:ext uri="{C572A759-6A51-4108-AA02-DFA0A04FC94B}">
-              <ma14:wrappingTextBoxFlag xmlns:ma14="http://schemas.microsoft.com/office/mac/drawingml/2011/main" xmlns="" val="1"/>
+              <ma14:wrappingTextBoxFlag xmlns="" xmlns:ma14="http://schemas.microsoft.com/office/mac/drawingml/2011/main" val="1"/>
             </a:ext>
           </a:extLst>
         </p:spPr>
@@ -41974,7 +41610,7 @@
           <p:nvPr/>
         </p:nvPicPr>
         <p:blipFill>
-          <a:blip r:embed="rId2">
+          <a:blip r:embed="rId2" cstate="print">
             <a:extLst>
               <a:ext uri="{28A0092B-C50C-407E-A947-70E740481C1C}">
                 <a14:useLocalDpi xmlns:a14="http://schemas.microsoft.com/office/drawing/2010/main" val="0"/>
@@ -42028,7 +41664,13 @@
       </p:grpSpPr>
       <p:sp>
         <p:nvSpPr>
-          <p:cNvPr id="2" name="Title 1"/>
+          <p:cNvPr id="2" name="Title 1">
+            <a:extLst>
+              <a:ext uri="{FF2B5EF4-FFF2-40B4-BE49-F238E27FC236}">
+                <a16:creationId xmlns:a16="http://schemas.microsoft.com/office/drawing/2014/main" id="{F975F991-C7E7-5340-A43C-251F30D5EF30}"/>
+              </a:ext>
+            </a:extLst>
+          </p:cNvPr>
           <p:cNvSpPr>
             <a:spLocks noGrp="1"/>
           </p:cNvSpPr>
@@ -42036,22 +41678,64 @@
             <p:ph type="title"/>
           </p:nvPr>
         </p:nvSpPr>
+        <p:spPr>
+          <a:xfrm>
+            <a:off x="177164" y="164131"/>
+            <a:ext cx="10515600" cy="618385"/>
+          </a:xfrm>
+        </p:spPr>
+        <p:txBody>
+          <a:bodyPr>
+            <a:normAutofit/>
+          </a:bodyPr>
+          <a:lstStyle/>
+          <a:p>
+            <a:r>
+              <a:rPr lang="en-US" b="0" dirty="0"/>
+              <a:t>Agenda</a:t>
+            </a:r>
+            <a:endParaRPr lang="en-US" sz="2900" b="0" dirty="0"/>
+          </a:p>
+        </p:txBody>
+      </p:sp>
+      <p:sp>
+        <p:nvSpPr>
+          <p:cNvPr id="4" name="Slide Number Placeholder 3">
+            <a:extLst>
+              <a:ext uri="{FF2B5EF4-FFF2-40B4-BE49-F238E27FC236}">
+                <a16:creationId xmlns:a16="http://schemas.microsoft.com/office/drawing/2014/main" id="{33880DC9-A96E-2341-9542-2F27E0D1409A}"/>
+              </a:ext>
+            </a:extLst>
+          </p:cNvPr>
+          <p:cNvSpPr>
+            <a:spLocks noGrp="1"/>
+          </p:cNvSpPr>
+          <p:nvPr>
+            <p:ph type="sldNum" sz="quarter" idx="2"/>
+          </p:nvPr>
+        </p:nvSpPr>
         <p:spPr/>
         <p:txBody>
           <a:bodyPr/>
           <a:lstStyle/>
           <a:p>
-            <a:r>
-              <a:rPr lang="en-US" b="0" dirty="0"/>
-              <a:t>Agenda</a:t>
-            </a:r>
-            <a:endParaRPr lang="en-US" dirty="0"/>
+            <a:fld id="{86CB4B4D-7CA3-9044-876B-883B54F8677D}" type="slidenum">
+              <a:rPr lang="cs-CZ" smtClean="0"/>
+              <a:t>2</a:t>
+            </a:fld>
+            <a:endParaRPr lang="cs-CZ"/>
           </a:p>
         </p:txBody>
       </p:sp>
       <p:sp>
         <p:nvSpPr>
-          <p:cNvPr id="3" name="Text Placeholder 2"/>
+          <p:cNvPr id="8" name="Text Placeholder 2">
+            <a:extLst>
+              <a:ext uri="{FF2B5EF4-FFF2-40B4-BE49-F238E27FC236}">
+                <a16:creationId xmlns:a16="http://schemas.microsoft.com/office/drawing/2014/main" id="{7B0E9AF6-06AA-A54C-9114-05C26304E739}"/>
+              </a:ext>
+            </a:extLst>
+          </p:cNvPr>
           <p:cNvSpPr>
             <a:spLocks noGrp="1"/>
           </p:cNvSpPr>
@@ -42059,14 +41743,27 @@
             <p:ph type="body" idx="1"/>
           </p:nvPr>
         </p:nvSpPr>
-        <p:spPr/>
+        <p:spPr>
+          <a:xfrm>
+            <a:off x="177164" y="1311274"/>
+            <a:ext cx="4444532" cy="4895216"/>
+          </a:xfrm>
+        </p:spPr>
         <p:txBody>
           <a:bodyPr/>
           <a:lstStyle/>
           <a:p>
             <a:r>
               <a:rPr lang="en-US" dirty="0"/>
-              <a:t>Basic overview about Containers</a:t>
+              <a:t>Basic overview </a:t>
+            </a:r>
+            <a:r>
+              <a:rPr lang="cs-CZ" dirty="0" err="1"/>
+              <a:t>of</a:t>
+            </a:r>
+            <a:r>
+              <a:rPr lang="en-US" dirty="0"/>
+              <a:t> Containers</a:t>
             </a:r>
           </a:p>
           <a:p>
@@ -42098,12 +41795,8 @@
           <a:p>
             <a:pPr lvl="1"/>
             <a:r>
-              <a:rPr lang="en-US"/>
-              <a:t>Clustering </a:t>
-            </a:r>
-            <a:r>
-              <a:rPr lang="en-US" dirty="0"/>
-              <a:t>(Optional)</a:t>
+              <a:rPr lang="en-US" dirty="0"/>
+              <a:t>Clustering (Optional)</a:t>
             </a:r>
           </a:p>
           <a:p>
@@ -42116,14 +41809,20 @@
       </p:sp>
       <p:pic>
         <p:nvPicPr>
-          <p:cNvPr id="4" name="Picture 3"/>
+          <p:cNvPr id="6" name="Picture 5">
+            <a:extLst>
+              <a:ext uri="{FF2B5EF4-FFF2-40B4-BE49-F238E27FC236}">
+                <a16:creationId xmlns:a16="http://schemas.microsoft.com/office/drawing/2014/main" id="{600397CE-997D-3941-8430-4C67923AED1B}"/>
+              </a:ext>
+            </a:extLst>
+          </p:cNvPr>
           <p:cNvPicPr>
             <a:picLocks noChangeAspect="1"/>
           </p:cNvPicPr>
           <p:nvPr/>
         </p:nvPicPr>
         <p:blipFill>
-          <a:blip r:embed="rId2">
+          <a:blip r:embed="rId2" cstate="print">
             <a:extLst>
               <a:ext uri="{28A0092B-C50C-407E-A947-70E740481C1C}">
                 <a14:useLocalDpi xmlns:a14="http://schemas.microsoft.com/office/drawing/2010/main" val="0"/>
@@ -42136,7 +41835,7 @@
         </p:blipFill>
         <p:spPr>
           <a:xfrm>
-            <a:off x="6095047" y="773205"/>
+            <a:off x="6096000" y="1308402"/>
             <a:ext cx="4753791" cy="4241196"/>
           </a:xfrm>
           <a:prstGeom prst="rect">
@@ -42147,7 +41846,7 @@
     </p:spTree>
     <p:extLst>
       <p:ext uri="{BB962C8B-B14F-4D97-AF65-F5344CB8AC3E}">
-        <p14:creationId xmlns:p14="http://schemas.microsoft.com/office/powerpoint/2010/main" val="4269029965"/>
+        <p14:creationId xmlns:p14="http://schemas.microsoft.com/office/powerpoint/2010/main" val="196272456"/>
       </p:ext>
     </p:extLst>
   </p:cSld>
@@ -42177,7 +41876,13 @@
       </p:grpSpPr>
       <p:sp>
         <p:nvSpPr>
-          <p:cNvPr id="52" name="Shape 52"/>
+          <p:cNvPr id="2" name="Title 1">
+            <a:extLst>
+              <a:ext uri="{FF2B5EF4-FFF2-40B4-BE49-F238E27FC236}">
+                <a16:creationId xmlns:a16="http://schemas.microsoft.com/office/drawing/2014/main" id="{F975F991-C7E7-5340-A43C-251F30D5EF30}"/>
+              </a:ext>
+            </a:extLst>
+          </p:cNvPr>
           <p:cNvSpPr>
             <a:spLocks noGrp="1"/>
           </p:cNvSpPr>
@@ -42187,16 +41892,13 @@
         </p:nvSpPr>
         <p:spPr>
           <a:xfrm>
-            <a:off x="177164" y="333372"/>
-            <a:ext cx="9860282" cy="514352"/>
+            <a:off x="177164" y="164131"/>
+            <a:ext cx="10515600" cy="618385"/>
           </a:xfrm>
-          <a:prstGeom prst="rect">
-            <a:avLst/>
-          </a:prstGeom>
         </p:spPr>
         <p:txBody>
           <a:bodyPr>
-            <a:normAutofit fontScale="90000"/>
+            <a:normAutofit/>
           </a:bodyPr>
           <a:lstStyle/>
           <a:p>
@@ -42204,13 +41906,48 @@
               <a:rPr lang="en-US" b="0" dirty="0"/>
               <a:t>Containers?#!</a:t>
             </a:r>
-            <a:endParaRPr dirty="0"/>
+            <a:endParaRPr lang="en-US" sz="2900" b="0" dirty="0"/>
           </a:p>
         </p:txBody>
       </p:sp>
       <p:sp>
         <p:nvSpPr>
-          <p:cNvPr id="53" name="Shape 53"/>
+          <p:cNvPr id="4" name="Slide Number Placeholder 3">
+            <a:extLst>
+              <a:ext uri="{FF2B5EF4-FFF2-40B4-BE49-F238E27FC236}">
+                <a16:creationId xmlns:a16="http://schemas.microsoft.com/office/drawing/2014/main" id="{33880DC9-A96E-2341-9542-2F27E0D1409A}"/>
+              </a:ext>
+            </a:extLst>
+          </p:cNvPr>
+          <p:cNvSpPr>
+            <a:spLocks noGrp="1"/>
+          </p:cNvSpPr>
+          <p:nvPr>
+            <p:ph type="sldNum" sz="quarter" idx="2"/>
+          </p:nvPr>
+        </p:nvSpPr>
+        <p:spPr/>
+        <p:txBody>
+          <a:bodyPr/>
+          <a:lstStyle/>
+          <a:p>
+            <a:fld id="{86CB4B4D-7CA3-9044-876B-883B54F8677D}" type="slidenum">
+              <a:rPr lang="cs-CZ" smtClean="0"/>
+              <a:t>3</a:t>
+            </a:fld>
+            <a:endParaRPr lang="cs-CZ"/>
+          </a:p>
+        </p:txBody>
+      </p:sp>
+      <p:sp>
+        <p:nvSpPr>
+          <p:cNvPr id="8" name="Text Placeholder 2">
+            <a:extLst>
+              <a:ext uri="{FF2B5EF4-FFF2-40B4-BE49-F238E27FC236}">
+                <a16:creationId xmlns:a16="http://schemas.microsoft.com/office/drawing/2014/main" id="{7B0E9AF6-06AA-A54C-9114-05C26304E739}"/>
+              </a:ext>
+            </a:extLst>
+          </p:cNvPr>
           <p:cNvSpPr>
             <a:spLocks noGrp="1"/>
           </p:cNvSpPr>
@@ -42220,36 +41957,13 @@
         </p:nvSpPr>
         <p:spPr>
           <a:xfrm>
-            <a:off x="177164" y="953589"/>
-            <a:ext cx="4197940" cy="4668629"/>
+            <a:off x="177164" y="1311274"/>
+            <a:ext cx="4444532" cy="4895216"/>
           </a:xfrm>
-          <a:prstGeom prst="rect">
-            <a:avLst/>
-          </a:prstGeom>
         </p:spPr>
         <p:txBody>
           <a:bodyPr/>
-          <a:lstStyle>
-            <a:lvl2pPr marL="800100" indent="-228600">
-              <a:spcBef>
-                <a:spcPts val="500"/>
-              </a:spcBef>
-              <a:buFont typeface="Courier New"/>
-              <a:defRPr sz="2000"/>
-            </a:lvl2pPr>
-            <a:lvl3pPr marL="1428750" indent="-228600">
-              <a:spcBef>
-                <a:spcPts val="500"/>
-              </a:spcBef>
-              <a:defRPr sz="1800"/>
-            </a:lvl3pPr>
-            <a:lvl4pPr marL="2057400" indent="-228600">
-              <a:spcBef>
-                <a:spcPts val="500"/>
-              </a:spcBef>
-              <a:defRPr sz="1600"/>
-            </a:lvl4pPr>
-          </a:lstStyle>
+          <a:lstStyle/>
           <a:p>
             <a:pPr marL="0" lvl="1" indent="0">
               <a:lnSpc>
@@ -42285,29 +41999,7 @@
             </a:r>
           </a:p>
           <a:p>
-            <a:pPr marL="0" lvl="1" indent="0">
-              <a:lnSpc>
-                <a:spcPct val="100000"/>
-              </a:lnSpc>
-              <a:spcBef>
-                <a:spcPts val="0"/>
-              </a:spcBef>
-              <a:buClrTx/>
-              <a:buSzTx/>
-              <a:buNone/>
-            </a:pPr>
-            <a:endParaRPr lang="en-US" dirty="0"/>
-          </a:p>
-          <a:p>
-            <a:pPr marL="0" lvl="1" indent="0">
-              <a:lnSpc>
-                <a:spcPct val="100000"/>
-              </a:lnSpc>
-              <a:spcBef>
-                <a:spcPts val="0"/>
-              </a:spcBef>
-              <a:buClrTx/>
-              <a:buSzTx/>
+            <a:pPr marL="0" indent="0">
               <a:buNone/>
             </a:pPr>
             <a:endParaRPr lang="en-US" dirty="0"/>
@@ -42316,14 +42008,20 @@
       </p:sp>
       <p:pic>
         <p:nvPicPr>
-          <p:cNvPr id="2" name="Picture 1"/>
+          <p:cNvPr id="9" name="Picture 8">
+            <a:extLst>
+              <a:ext uri="{FF2B5EF4-FFF2-40B4-BE49-F238E27FC236}">
+                <a16:creationId xmlns:a16="http://schemas.microsoft.com/office/drawing/2014/main" id="{471F6CED-CD12-9549-B327-25C98CA45242}"/>
+              </a:ext>
+            </a:extLst>
+          </p:cNvPr>
           <p:cNvPicPr>
             <a:picLocks noChangeAspect="1"/>
           </p:cNvPicPr>
           <p:nvPr/>
         </p:nvPicPr>
         <p:blipFill>
-          <a:blip r:embed="rId3">
+          <a:blip r:embed="rId2">
             <a:extLst>
               <a:ext uri="{28A0092B-C50C-407E-A947-70E740481C1C}">
                 <a14:useLocalDpi xmlns:a14="http://schemas.microsoft.com/office/drawing/2010/main" val="0"/>
@@ -42336,8 +42034,8 @@
         </p:blipFill>
         <p:spPr>
           <a:xfrm>
-            <a:off x="4038600" y="1107064"/>
-            <a:ext cx="7878944" cy="4515154"/>
+            <a:off x="4375104" y="1171423"/>
+            <a:ext cx="7816896" cy="4515154"/>
           </a:xfrm>
           <a:prstGeom prst="rect">
             <a:avLst/>
@@ -42347,14 +42045,14 @@
     </p:spTree>
     <p:extLst>
       <p:ext uri="{BB962C8B-B14F-4D97-AF65-F5344CB8AC3E}">
-        <p14:creationId xmlns:p14="http://schemas.microsoft.com/office/powerpoint/2010/main" val="414272493"/>
+        <p14:creationId xmlns:p14="http://schemas.microsoft.com/office/powerpoint/2010/main" val="227235044"/>
       </p:ext>
     </p:extLst>
   </p:cSld>
   <p:clrMapOvr>
     <a:masterClrMapping/>
   </p:clrMapOvr>
-  <p:transition spd="slow"/>
+  <p:transition spd="med"/>
 </p:sld>
 </file>
 
@@ -42391,13 +42089,20 @@
             <p:ph type="title"/>
           </p:nvPr>
         </p:nvSpPr>
-        <p:spPr/>
+        <p:spPr>
+          <a:xfrm>
+            <a:off x="177164" y="164131"/>
+            <a:ext cx="10515600" cy="618385"/>
+          </a:xfrm>
+        </p:spPr>
         <p:txBody>
-          <a:bodyPr/>
+          <a:bodyPr>
+            <a:normAutofit/>
+          </a:bodyPr>
           <a:lstStyle/>
           <a:p>
             <a:r>
-              <a:rPr lang="en-US" dirty="0"/>
+              <a:rPr lang="en-US" sz="2900" b="0" dirty="0"/>
               <a:t>Standardized environment for your product</a:t>
             </a:r>
           </a:p>
@@ -42462,10 +42167,10 @@
       </p:sp>
       <p:pic>
         <p:nvPicPr>
-          <p:cNvPr id="5" name="Picture 4">
+          <p:cNvPr id="6" name="Picture 5">
             <a:extLst>
               <a:ext uri="{FF2B5EF4-FFF2-40B4-BE49-F238E27FC236}">
-                <a16:creationId xmlns:a16="http://schemas.microsoft.com/office/drawing/2014/main" id="{C6FD4AF2-18DB-D745-9D92-8FBDFD225E10}"/>
+                <a16:creationId xmlns:a16="http://schemas.microsoft.com/office/drawing/2014/main" id="{D408B017-EECE-014E-BDC9-AB9998C4DFBA}"/>
               </a:ext>
             </a:extLst>
           </p:cNvPr>
@@ -42499,7 +42204,7 @@
     </p:spTree>
     <p:extLst>
       <p:ext uri="{BB962C8B-B14F-4D97-AF65-F5344CB8AC3E}">
-        <p14:creationId xmlns:p14="http://schemas.microsoft.com/office/powerpoint/2010/main" val="1095276640"/>
+        <p14:creationId xmlns:p14="http://schemas.microsoft.com/office/powerpoint/2010/main" val="20920948"/>
       </p:ext>
     </p:extLst>
   </p:cSld>
@@ -42543,13 +42248,20 @@
             <p:ph type="title"/>
           </p:nvPr>
         </p:nvSpPr>
-        <p:spPr/>
+        <p:spPr>
+          <a:xfrm>
+            <a:off x="177164" y="164131"/>
+            <a:ext cx="10515600" cy="618385"/>
+          </a:xfrm>
+        </p:spPr>
         <p:txBody>
-          <a:bodyPr/>
+          <a:bodyPr>
+            <a:normAutofit/>
+          </a:bodyPr>
           <a:lstStyle/>
           <a:p>
             <a:r>
-              <a:rPr lang="en-US" dirty="0"/>
+              <a:rPr lang="en-US" sz="2900" b="0" dirty="0"/>
               <a:t>Standardized interface between OS and container</a:t>
             </a:r>
           </a:p>
@@ -42583,9 +42295,6 @@
             </a:pPr>
             <a:r>
               <a:rPr lang="en-US" spc="-1" dirty="0">
-                <a:solidFill>
-                  <a:srgbClr val="666666"/>
-                </a:solidFill>
                 <a:uFill>
                   <a:solidFill>
                     <a:srgbClr val="FFFFFF"/>
@@ -42628,10 +42337,10 @@
       </p:sp>
       <p:pic>
         <p:nvPicPr>
-          <p:cNvPr id="5" name="Picture 4">
+          <p:cNvPr id="7" name="Picture 6">
             <a:extLst>
               <a:ext uri="{FF2B5EF4-FFF2-40B4-BE49-F238E27FC236}">
-                <a16:creationId xmlns:a16="http://schemas.microsoft.com/office/drawing/2014/main" id="{1F27CD5D-B256-6947-A81D-5BB312EE109F}"/>
+                <a16:creationId xmlns:a16="http://schemas.microsoft.com/office/drawing/2014/main" id="{92964B2D-5D15-7742-BDE6-8A4F77742359}"/>
               </a:ext>
             </a:extLst>
           </p:cNvPr>
@@ -42665,7 +42374,7 @@
     </p:spTree>
     <p:extLst>
       <p:ext uri="{BB962C8B-B14F-4D97-AF65-F5344CB8AC3E}">
-        <p14:creationId xmlns:p14="http://schemas.microsoft.com/office/powerpoint/2010/main" val="2469273921"/>
+        <p14:creationId xmlns:p14="http://schemas.microsoft.com/office/powerpoint/2010/main" val="773156656"/>
       </p:ext>
     </p:extLst>
   </p:cSld>
@@ -42709,13 +42418,20 @@
             <p:ph type="title"/>
           </p:nvPr>
         </p:nvSpPr>
-        <p:spPr/>
+        <p:spPr>
+          <a:xfrm>
+            <a:off x="177164" y="164131"/>
+            <a:ext cx="10515600" cy="618385"/>
+          </a:xfrm>
+        </p:spPr>
         <p:txBody>
-          <a:bodyPr/>
+          <a:bodyPr>
+            <a:normAutofit/>
+          </a:bodyPr>
           <a:lstStyle/>
           <a:p>
             <a:r>
-              <a:rPr lang="en-US" dirty="0"/>
+              <a:rPr lang="en-US" sz="2900" b="0" dirty="0"/>
               <a:t>Porting images among developers is easy</a:t>
             </a:r>
           </a:p>
@@ -42744,9 +42460,6 @@
           <a:p>
             <a:r>
               <a:rPr lang="en-US" spc="-1" dirty="0">
-                <a:solidFill>
-                  <a:srgbClr val="666666"/>
-                </a:solidFill>
                 <a:uFill>
                   <a:solidFill>
                     <a:srgbClr val="FFFFFF"/>
@@ -42755,12 +42468,6 @@
               </a:rPr>
               <a:t>Just pack it into an image and send anywhere – it will work the same everywhere</a:t>
             </a:r>
-          </a:p>
-          <a:p>
-            <a:pPr marL="0" indent="0">
-              <a:buNone/>
-            </a:pPr>
-            <a:endParaRPr lang="en-US" dirty="0"/>
           </a:p>
         </p:txBody>
       </p:sp>
@@ -42795,10 +42502,10 @@
       </p:sp>
       <p:pic>
         <p:nvPicPr>
-          <p:cNvPr id="5" name="Picture 4">
+          <p:cNvPr id="8" name="Picture 7">
             <a:extLst>
               <a:ext uri="{FF2B5EF4-FFF2-40B4-BE49-F238E27FC236}">
-                <a16:creationId xmlns:a16="http://schemas.microsoft.com/office/drawing/2014/main" id="{23A14BD2-E6EA-6144-A57D-CDC42F6B2AD7}"/>
+                <a16:creationId xmlns:a16="http://schemas.microsoft.com/office/drawing/2014/main" id="{429DD4C8-0A23-4646-A1D7-B0E38491E7A8}"/>
               </a:ext>
             </a:extLst>
           </p:cNvPr>
@@ -42832,7 +42539,7 @@
     </p:spTree>
     <p:extLst>
       <p:ext uri="{BB962C8B-B14F-4D97-AF65-F5344CB8AC3E}">
-        <p14:creationId xmlns:p14="http://schemas.microsoft.com/office/powerpoint/2010/main" val="2537458982"/>
+        <p14:creationId xmlns:p14="http://schemas.microsoft.com/office/powerpoint/2010/main" val="1077633507"/>
       </p:ext>
     </p:extLst>
   </p:cSld>
@@ -42876,13 +42583,20 @@
             <p:ph type="title"/>
           </p:nvPr>
         </p:nvSpPr>
-        <p:spPr/>
+        <p:spPr>
+          <a:xfrm>
+            <a:off x="177164" y="164131"/>
+            <a:ext cx="10515600" cy="618385"/>
+          </a:xfrm>
+        </p:spPr>
         <p:txBody>
-          <a:bodyPr/>
+          <a:bodyPr>
+            <a:normAutofit/>
+          </a:bodyPr>
           <a:lstStyle/>
           <a:p>
             <a:r>
-              <a:rPr lang="en-US" dirty="0"/>
+              <a:rPr lang="en-US" sz="2900" b="0" dirty="0"/>
               <a:t>Fast and repeatable deployment</a:t>
             </a:r>
           </a:p>
@@ -42947,10 +42661,10 @@
       </p:sp>
       <p:pic>
         <p:nvPicPr>
-          <p:cNvPr id="5" name="Picture 4">
+          <p:cNvPr id="6" name="Picture 5">
             <a:extLst>
               <a:ext uri="{FF2B5EF4-FFF2-40B4-BE49-F238E27FC236}">
-                <a16:creationId xmlns:a16="http://schemas.microsoft.com/office/drawing/2014/main" id="{7B90E01A-D8FD-1548-9210-23D6240868D9}"/>
+                <a16:creationId xmlns:a16="http://schemas.microsoft.com/office/drawing/2014/main" id="{CA3A28B6-A9E0-1D45-B7F9-73075B3A626E}"/>
               </a:ext>
             </a:extLst>
           </p:cNvPr>
@@ -42973,7 +42687,7 @@
         </p:blipFill>
         <p:spPr>
           <a:xfrm>
-            <a:off x="3346837" y="1858840"/>
+            <a:off x="3347084" y="1938094"/>
             <a:ext cx="5495925" cy="4125177"/>
           </a:xfrm>
           <a:prstGeom prst="rect">
@@ -42984,7 +42698,7 @@
     </p:spTree>
     <p:extLst>
       <p:ext uri="{BB962C8B-B14F-4D97-AF65-F5344CB8AC3E}">
-        <p14:creationId xmlns:p14="http://schemas.microsoft.com/office/powerpoint/2010/main" val="2952984646"/>
+        <p14:creationId xmlns:p14="http://schemas.microsoft.com/office/powerpoint/2010/main" val="398574122"/>
       </p:ext>
     </p:extLst>
   </p:cSld>
@@ -43028,13 +42742,20 @@
             <p:ph type="title"/>
           </p:nvPr>
         </p:nvSpPr>
-        <p:spPr/>
+        <p:spPr>
+          <a:xfrm>
+            <a:off x="177164" y="164131"/>
+            <a:ext cx="10515600" cy="618385"/>
+          </a:xfrm>
+        </p:spPr>
         <p:txBody>
-          <a:bodyPr/>
+          <a:bodyPr>
+            <a:normAutofit/>
+          </a:bodyPr>
           <a:lstStyle/>
           <a:p>
             <a:r>
-              <a:rPr lang="en-US" dirty="0"/>
+              <a:rPr lang="en-US" sz="2900" b="0" dirty="0"/>
               <a:t>Containers are lightweight</a:t>
             </a:r>
           </a:p>
@@ -43099,10 +42820,10 @@
       </p:sp>
       <p:pic>
         <p:nvPicPr>
-          <p:cNvPr id="5" name="Picture 4">
+          <p:cNvPr id="6" name="Picture 5">
             <a:extLst>
               <a:ext uri="{FF2B5EF4-FFF2-40B4-BE49-F238E27FC236}">
-                <a16:creationId xmlns:a16="http://schemas.microsoft.com/office/drawing/2014/main" id="{9E046F56-A866-A24E-A7FB-518ABAB5A36A}"/>
+                <a16:creationId xmlns:a16="http://schemas.microsoft.com/office/drawing/2014/main" id="{7C4DBE08-F0CF-9843-B3A3-94C7E6A45C0C}"/>
               </a:ext>
             </a:extLst>
           </p:cNvPr>
@@ -43136,7 +42857,7 @@
     </p:spTree>
     <p:extLst>
       <p:ext uri="{BB962C8B-B14F-4D97-AF65-F5344CB8AC3E}">
-        <p14:creationId xmlns:p14="http://schemas.microsoft.com/office/powerpoint/2010/main" val="832489808"/>
+        <p14:creationId xmlns:p14="http://schemas.microsoft.com/office/powerpoint/2010/main" val="1802093973"/>
       </p:ext>
     </p:extLst>
   </p:cSld>
@@ -43180,13 +42901,20 @@
             <p:ph type="title"/>
           </p:nvPr>
         </p:nvSpPr>
-        <p:spPr/>
+        <p:spPr>
+          <a:xfrm>
+            <a:off x="177164" y="164131"/>
+            <a:ext cx="10515600" cy="618385"/>
+          </a:xfrm>
+        </p:spPr>
         <p:txBody>
-          <a:bodyPr/>
+          <a:bodyPr>
+            <a:normAutofit/>
+          </a:bodyPr>
           <a:lstStyle/>
           <a:p>
             <a:r>
-              <a:rPr lang="en-US" dirty="0"/>
+              <a:rPr lang="en-US" sz="2900" b="0" dirty="0"/>
               <a:t>Minimal upgrade downtime</a:t>
             </a:r>
           </a:p>
@@ -43215,7 +42943,19 @@
           <a:p>
             <a:r>
               <a:rPr lang="en-US" dirty="0"/>
-              <a:t>Suitable application architecture allows minimize downtime</a:t>
+              <a:t>Suitable application architecture allows </a:t>
+            </a:r>
+            <a:r>
+              <a:rPr lang="cs-CZ" dirty="0" err="1"/>
+              <a:t>minimizing</a:t>
+            </a:r>
+            <a:r>
+              <a:rPr lang="cs-CZ" dirty="0"/>
+              <a:t> </a:t>
+            </a:r>
+            <a:r>
+              <a:rPr lang="en-US" dirty="0"/>
+              <a:t>downtime</a:t>
             </a:r>
           </a:p>
         </p:txBody>
@@ -43251,10 +42991,10 @@
       </p:sp>
       <p:pic>
         <p:nvPicPr>
-          <p:cNvPr id="5" name="Picture 4">
+          <p:cNvPr id="6" name="Picture 5">
             <a:extLst>
               <a:ext uri="{FF2B5EF4-FFF2-40B4-BE49-F238E27FC236}">
-                <a16:creationId xmlns:a16="http://schemas.microsoft.com/office/drawing/2014/main" id="{AF742FDC-7517-4F4F-93E5-41F5E3338F94}"/>
+                <a16:creationId xmlns:a16="http://schemas.microsoft.com/office/drawing/2014/main" id="{8CB94B1D-2E16-C649-BF35-4C7CEB7B9C02}"/>
               </a:ext>
             </a:extLst>
           </p:cNvPr>
@@ -43288,7 +43028,7 @@
     </p:spTree>
     <p:extLst>
       <p:ext uri="{BB962C8B-B14F-4D97-AF65-F5344CB8AC3E}">
-        <p14:creationId xmlns:p14="http://schemas.microsoft.com/office/powerpoint/2010/main" val="1136172305"/>
+        <p14:creationId xmlns:p14="http://schemas.microsoft.com/office/powerpoint/2010/main" val="1947470314"/>
       </p:ext>
     </p:extLst>
   </p:cSld>

--- a/ppt/DockerWorkshopVSB.pptx
+++ b/ppt/DockerWorkshopVSB.pptx
@@ -16443,7 +16443,7 @@
           </a:prstGeom>
           <a:extLst>
             <a:ext uri="{C572A759-6A51-4108-AA02-DFA0A04FC94B}">
-              <ma14:wrappingTextBoxFlag xmlns="" xmlns:ma14="http://schemas.microsoft.com/office/mac/drawingml/2011/main" val="1"/>
+              <ma14:wrappingTextBoxFlag xmlns:ma14="http://schemas.microsoft.com/office/mac/drawingml/2011/main" xmlns="" val="1"/>
             </a:ext>
           </a:extLst>
         </p:spPr>
@@ -16576,7 +16576,7 @@
           </a:prstGeom>
           <a:extLst>
             <a:ext uri="{C572A759-6A51-4108-AA02-DFA0A04FC94B}">
-              <ma14:wrappingTextBoxFlag xmlns="" xmlns:ma14="http://schemas.microsoft.com/office/mac/drawingml/2011/main" val="1"/>
+              <ma14:wrappingTextBoxFlag xmlns:ma14="http://schemas.microsoft.com/office/mac/drawingml/2011/main" xmlns="" val="1"/>
             </a:ext>
           </a:extLst>
         </p:spPr>
@@ -17777,7 +17777,7 @@
           </a:prstGeom>
           <a:extLst>
             <a:ext uri="{C572A759-6A51-4108-AA02-DFA0A04FC94B}">
-              <ma14:wrappingTextBoxFlag xmlns="" xmlns:ma14="http://schemas.microsoft.com/office/mac/drawingml/2011/main" val="1"/>
+              <ma14:wrappingTextBoxFlag xmlns:ma14="http://schemas.microsoft.com/office/mac/drawingml/2011/main" xmlns="" val="1"/>
             </a:ext>
           </a:extLst>
         </p:spPr>
@@ -19041,7 +19041,7 @@
           </a:prstGeom>
           <a:extLst>
             <a:ext uri="{C572A759-6A51-4108-AA02-DFA0A04FC94B}">
-              <ma14:wrappingTextBoxFlag xmlns="" xmlns:ma14="http://schemas.microsoft.com/office/mac/drawingml/2011/main" val="1"/>
+              <ma14:wrappingTextBoxFlag xmlns:ma14="http://schemas.microsoft.com/office/mac/drawingml/2011/main" xmlns="" val="1"/>
             </a:ext>
           </a:extLst>
         </p:spPr>
@@ -20305,7 +20305,7 @@
           </a:prstGeom>
           <a:extLst>
             <a:ext uri="{C572A759-6A51-4108-AA02-DFA0A04FC94B}">
-              <ma14:wrappingTextBoxFlag xmlns="" xmlns:ma14="http://schemas.microsoft.com/office/mac/drawingml/2011/main" val="1"/>
+              <ma14:wrappingTextBoxFlag xmlns:ma14="http://schemas.microsoft.com/office/mac/drawingml/2011/main" xmlns="" val="1"/>
             </a:ext>
           </a:extLst>
         </p:spPr>
@@ -21569,7 +21569,7 @@
           </a:prstGeom>
           <a:extLst>
             <a:ext uri="{C572A759-6A51-4108-AA02-DFA0A04FC94B}">
-              <ma14:wrappingTextBoxFlag xmlns="" xmlns:ma14="http://schemas.microsoft.com/office/mac/drawingml/2011/main" val="1"/>
+              <ma14:wrappingTextBoxFlag xmlns:ma14="http://schemas.microsoft.com/office/mac/drawingml/2011/main" xmlns="" val="1"/>
             </a:ext>
           </a:extLst>
         </p:spPr>
@@ -22543,7 +22543,7 @@
           </a:prstGeom>
           <a:extLst>
             <a:ext uri="{C572A759-6A51-4108-AA02-DFA0A04FC94B}">
-              <ma14:wrappingTextBoxFlag xmlns="" xmlns:ma14="http://schemas.microsoft.com/office/mac/drawingml/2011/main" val="1"/>
+              <ma14:wrappingTextBoxFlag xmlns:ma14="http://schemas.microsoft.com/office/mac/drawingml/2011/main" xmlns="" val="1"/>
             </a:ext>
           </a:extLst>
         </p:spPr>
@@ -23517,7 +23517,7 @@
           </a:prstGeom>
           <a:extLst>
             <a:ext uri="{C572A759-6A51-4108-AA02-DFA0A04FC94B}">
-              <ma14:wrappingTextBoxFlag xmlns="" xmlns:ma14="http://schemas.microsoft.com/office/mac/drawingml/2011/main" val="1"/>
+              <ma14:wrappingTextBoxFlag xmlns:ma14="http://schemas.microsoft.com/office/mac/drawingml/2011/main" xmlns="" val="1"/>
             </a:ext>
           </a:extLst>
         </p:spPr>
@@ -25961,7 +25961,7 @@
           </a:prstGeom>
           <a:extLst>
             <a:ext uri="{C572A759-6A51-4108-AA02-DFA0A04FC94B}">
-              <ma14:wrappingTextBoxFlag xmlns="" xmlns:ma14="http://schemas.microsoft.com/office/mac/drawingml/2011/main" val="1"/>
+              <ma14:wrappingTextBoxFlag xmlns:ma14="http://schemas.microsoft.com/office/mac/drawingml/2011/main" xmlns="" val="1"/>
             </a:ext>
           </a:extLst>
         </p:spPr>
@@ -31639,7 +31639,7 @@
           </a:prstGeom>
           <a:extLst>
             <a:ext uri="{C572A759-6A51-4108-AA02-DFA0A04FC94B}">
-              <ma14:wrappingTextBoxFlag xmlns="" xmlns:ma14="http://schemas.microsoft.com/office/mac/drawingml/2011/main" val="1"/>
+              <ma14:wrappingTextBoxFlag xmlns:ma14="http://schemas.microsoft.com/office/mac/drawingml/2011/main" xmlns="" val="1"/>
             </a:ext>
           </a:extLst>
         </p:spPr>
@@ -33559,7 +33559,7 @@
           </a:prstGeom>
           <a:extLst>
             <a:ext uri="{C572A759-6A51-4108-AA02-DFA0A04FC94B}">
-              <ma14:wrappingTextBoxFlag xmlns="" xmlns:ma14="http://schemas.microsoft.com/office/mac/drawingml/2011/main" val="1"/>
+              <ma14:wrappingTextBoxFlag xmlns:ma14="http://schemas.microsoft.com/office/mac/drawingml/2011/main" xmlns="" val="1"/>
             </a:ext>
           </a:extLst>
         </p:spPr>
@@ -33698,7 +33698,7 @@
           </a:ln>
           <a:extLst>
             <a:ext uri="{C572A759-6A51-4108-AA02-DFA0A04FC94B}">
-              <ma14:wrappingTextBoxFlag xmlns="" xmlns:ma14="http://schemas.microsoft.com/office/mac/drawingml/2011/main" val="1"/>
+              <ma14:wrappingTextBoxFlag xmlns:ma14="http://schemas.microsoft.com/office/mac/drawingml/2011/main" xmlns="" val="1"/>
             </a:ext>
           </a:extLst>
         </p:spPr>
@@ -33998,7 +33998,7 @@
           </a:prstGeom>
           <a:extLst>
             <a:ext uri="{C572A759-6A51-4108-AA02-DFA0A04FC94B}">
-              <ma14:wrappingTextBoxFlag xmlns="" xmlns:ma14="http://schemas.microsoft.com/office/mac/drawingml/2011/main" val="1"/>
+              <ma14:wrappingTextBoxFlag xmlns:ma14="http://schemas.microsoft.com/office/mac/drawingml/2011/main" xmlns="" val="1"/>
             </a:ext>
           </a:extLst>
         </p:spPr>
@@ -34597,7 +34597,7 @@
           </a:prstGeom>
           <a:extLst>
             <a:ext uri="{C572A759-6A51-4108-AA02-DFA0A04FC94B}">
-              <ma14:wrappingTextBoxFlag xmlns="" xmlns:ma14="http://schemas.microsoft.com/office/mac/drawingml/2011/main" val="1"/>
+              <ma14:wrappingTextBoxFlag xmlns:ma14="http://schemas.microsoft.com/office/mac/drawingml/2011/main" xmlns="" val="1"/>
             </a:ext>
           </a:extLst>
         </p:spPr>
@@ -35535,7 +35535,7 @@
           </a:prstGeom>
           <a:extLst>
             <a:ext uri="{C572A759-6A51-4108-AA02-DFA0A04FC94B}">
-              <ma14:wrappingTextBoxFlag xmlns="" xmlns:ma14="http://schemas.microsoft.com/office/mac/drawingml/2011/main" val="1"/>
+              <ma14:wrappingTextBoxFlag xmlns:ma14="http://schemas.microsoft.com/office/mac/drawingml/2011/main" xmlns="" val="1"/>
             </a:ext>
           </a:extLst>
         </p:spPr>
@@ -36509,7 +36509,7 @@
           </a:prstGeom>
           <a:extLst>
             <a:ext uri="{C572A759-6A51-4108-AA02-DFA0A04FC94B}">
-              <ma14:wrappingTextBoxFlag xmlns="" xmlns:ma14="http://schemas.microsoft.com/office/mac/drawingml/2011/main" val="1"/>
+              <ma14:wrappingTextBoxFlag xmlns:ma14="http://schemas.microsoft.com/office/mac/drawingml/2011/main" xmlns="" val="1"/>
             </a:ext>
           </a:extLst>
         </p:spPr>
@@ -37483,7 +37483,7 @@
           </a:prstGeom>
           <a:extLst>
             <a:ext uri="{C572A759-6A51-4108-AA02-DFA0A04FC94B}">
-              <ma14:wrappingTextBoxFlag xmlns="" xmlns:ma14="http://schemas.microsoft.com/office/mac/drawingml/2011/main" val="1"/>
+              <ma14:wrappingTextBoxFlag xmlns:ma14="http://schemas.microsoft.com/office/mac/drawingml/2011/main" xmlns="" val="1"/>
             </a:ext>
           </a:extLst>
         </p:spPr>
@@ -38907,7 +38907,7 @@
           </a:prstGeom>
           <a:extLst>
             <a:ext uri="{C572A759-6A51-4108-AA02-DFA0A04FC94B}">
-              <ma14:wrappingTextBoxFlag xmlns="" xmlns:ma14="http://schemas.microsoft.com/office/mac/drawingml/2011/main" val="1"/>
+              <ma14:wrappingTextBoxFlag xmlns:ma14="http://schemas.microsoft.com/office/mac/drawingml/2011/main" xmlns="" val="1"/>
             </a:ext>
           </a:extLst>
         </p:spPr>
@@ -41017,7 +41017,7 @@
           </a:ln>
           <a:extLst>
             <a:ext uri="{C572A759-6A51-4108-AA02-DFA0A04FC94B}">
-              <ma14:wrappingTextBoxFlag xmlns="" xmlns:ma14="http://schemas.microsoft.com/office/mac/drawingml/2011/main" val="1"/>
+              <ma14:wrappingTextBoxFlag xmlns:ma14="http://schemas.microsoft.com/office/mac/drawingml/2011/main" xmlns="" val="1"/>
             </a:ext>
           </a:extLst>
         </p:spPr>
@@ -41173,7 +41173,7 @@
           </a:ln>
           <a:extLst>
             <a:ext uri="{C572A759-6A51-4108-AA02-DFA0A04FC94B}">
-              <ma14:wrappingTextBoxFlag xmlns="" xmlns:ma14="http://schemas.microsoft.com/office/mac/drawingml/2011/main" val="1"/>
+              <ma14:wrappingTextBoxFlag xmlns:ma14="http://schemas.microsoft.com/office/mac/drawingml/2011/main" xmlns="" val="1"/>
             </a:ext>
           </a:extLst>
         </p:spPr>
@@ -41496,7 +41496,7 @@
           </a:ln>
           <a:extLst>
             <a:ext uri="{C572A759-6A51-4108-AA02-DFA0A04FC94B}">
-              <ma14:wrappingTextBoxFlag xmlns="" xmlns:ma14="http://schemas.microsoft.com/office/mac/drawingml/2011/main" val="1"/>
+              <ma14:wrappingTextBoxFlag xmlns:ma14="http://schemas.microsoft.com/office/mac/drawingml/2011/main" xmlns="" val="1"/>
             </a:ext>
           </a:extLst>
         </p:spPr>

--- a/ppt/DockerWorkshopVSB.pptx
+++ b/ppt/DockerWorkshopVSB.pptx
@@ -5,28 +5,29 @@
     <p:sldMasterId id="2147483648" r:id="rId1"/>
   </p:sldMasterIdLst>
   <p:notesMasterIdLst>
-    <p:notesMasterId r:id="rId18"/>
+    <p:notesMasterId r:id="rId19"/>
   </p:notesMasterIdLst>
   <p:handoutMasterIdLst>
-    <p:handoutMasterId r:id="rId19"/>
+    <p:handoutMasterId r:id="rId20"/>
   </p:handoutMasterIdLst>
   <p:sldIdLst>
     <p:sldId id="265" r:id="rId2"/>
-    <p:sldId id="324" r:id="rId3"/>
-    <p:sldId id="323" r:id="rId4"/>
-    <p:sldId id="322" r:id="rId5"/>
-    <p:sldId id="320" r:id="rId6"/>
-    <p:sldId id="321" r:id="rId7"/>
-    <p:sldId id="317" r:id="rId8"/>
-    <p:sldId id="318" r:id="rId9"/>
-    <p:sldId id="319" r:id="rId10"/>
-    <p:sldId id="313" r:id="rId11"/>
-    <p:sldId id="315" r:id="rId12"/>
-    <p:sldId id="262" r:id="rId13"/>
-    <p:sldId id="260" r:id="rId14"/>
-    <p:sldId id="263" r:id="rId15"/>
-    <p:sldId id="264" r:id="rId16"/>
-    <p:sldId id="300" r:id="rId17"/>
+    <p:sldId id="326" r:id="rId3"/>
+    <p:sldId id="324" r:id="rId4"/>
+    <p:sldId id="323" r:id="rId5"/>
+    <p:sldId id="322" r:id="rId6"/>
+    <p:sldId id="320" r:id="rId7"/>
+    <p:sldId id="321" r:id="rId8"/>
+    <p:sldId id="317" r:id="rId9"/>
+    <p:sldId id="318" r:id="rId10"/>
+    <p:sldId id="319" r:id="rId11"/>
+    <p:sldId id="313" r:id="rId12"/>
+    <p:sldId id="315" r:id="rId13"/>
+    <p:sldId id="262" r:id="rId14"/>
+    <p:sldId id="260" r:id="rId15"/>
+    <p:sldId id="263" r:id="rId16"/>
+    <p:sldId id="264" r:id="rId17"/>
+    <p:sldId id="300" r:id="rId18"/>
   </p:sldIdLst>
   <p:sldSz cx="12192000" cy="6858000"/>
   <p:notesSz cx="6858000" cy="9144000"/>
@@ -15688,7 +15689,7 @@
           <a:p>
             <a:fld id="{DAC307C8-0609-4047-A2B4-1898B32D9847}" type="datetimeFigureOut">
               <a:rPr lang="en-US" smtClean="0"/>
-              <a:t>1/14/20</a:t>
+              <a:t>1/16/20</a:t>
             </a:fld>
             <a:endParaRPr lang="en-US"/>
           </a:p>
@@ -16443,7 +16444,7 @@
           </a:prstGeom>
           <a:extLst>
             <a:ext uri="{C572A759-6A51-4108-AA02-DFA0A04FC94B}">
-              <ma14:wrappingTextBoxFlag xmlns:ma14="http://schemas.microsoft.com/office/mac/drawingml/2011/main" xmlns="" val="1"/>
+              <ma14:wrappingTextBoxFlag xmlns="" xmlns:ma14="http://schemas.microsoft.com/office/mac/drawingml/2011/main" val="1"/>
             </a:ext>
           </a:extLst>
         </p:spPr>
@@ -16576,7 +16577,7 @@
           </a:prstGeom>
           <a:extLst>
             <a:ext uri="{C572A759-6A51-4108-AA02-DFA0A04FC94B}">
-              <ma14:wrappingTextBoxFlag xmlns:ma14="http://schemas.microsoft.com/office/mac/drawingml/2011/main" xmlns="" val="1"/>
+              <ma14:wrappingTextBoxFlag xmlns="" xmlns:ma14="http://schemas.microsoft.com/office/mac/drawingml/2011/main" val="1"/>
             </a:ext>
           </a:extLst>
         </p:spPr>
@@ -17777,7 +17778,7 @@
           </a:prstGeom>
           <a:extLst>
             <a:ext uri="{C572A759-6A51-4108-AA02-DFA0A04FC94B}">
-              <ma14:wrappingTextBoxFlag xmlns:ma14="http://schemas.microsoft.com/office/mac/drawingml/2011/main" xmlns="" val="1"/>
+              <ma14:wrappingTextBoxFlag xmlns="" xmlns:ma14="http://schemas.microsoft.com/office/mac/drawingml/2011/main" val="1"/>
             </a:ext>
           </a:extLst>
         </p:spPr>
@@ -19041,7 +19042,7 @@
           </a:prstGeom>
           <a:extLst>
             <a:ext uri="{C572A759-6A51-4108-AA02-DFA0A04FC94B}">
-              <ma14:wrappingTextBoxFlag xmlns:ma14="http://schemas.microsoft.com/office/mac/drawingml/2011/main" xmlns="" val="1"/>
+              <ma14:wrappingTextBoxFlag xmlns="" xmlns:ma14="http://schemas.microsoft.com/office/mac/drawingml/2011/main" val="1"/>
             </a:ext>
           </a:extLst>
         </p:spPr>
@@ -20305,7 +20306,7 @@
           </a:prstGeom>
           <a:extLst>
             <a:ext uri="{C572A759-6A51-4108-AA02-DFA0A04FC94B}">
-              <ma14:wrappingTextBoxFlag xmlns:ma14="http://schemas.microsoft.com/office/mac/drawingml/2011/main" xmlns="" val="1"/>
+              <ma14:wrappingTextBoxFlag xmlns="" xmlns:ma14="http://schemas.microsoft.com/office/mac/drawingml/2011/main" val="1"/>
             </a:ext>
           </a:extLst>
         </p:spPr>
@@ -21569,7 +21570,7 @@
           </a:prstGeom>
           <a:extLst>
             <a:ext uri="{C572A759-6A51-4108-AA02-DFA0A04FC94B}">
-              <ma14:wrappingTextBoxFlag xmlns:ma14="http://schemas.microsoft.com/office/mac/drawingml/2011/main" xmlns="" val="1"/>
+              <ma14:wrappingTextBoxFlag xmlns="" xmlns:ma14="http://schemas.microsoft.com/office/mac/drawingml/2011/main" val="1"/>
             </a:ext>
           </a:extLst>
         </p:spPr>
@@ -22543,7 +22544,7 @@
           </a:prstGeom>
           <a:extLst>
             <a:ext uri="{C572A759-6A51-4108-AA02-DFA0A04FC94B}">
-              <ma14:wrappingTextBoxFlag xmlns:ma14="http://schemas.microsoft.com/office/mac/drawingml/2011/main" xmlns="" val="1"/>
+              <ma14:wrappingTextBoxFlag xmlns="" xmlns:ma14="http://schemas.microsoft.com/office/mac/drawingml/2011/main" val="1"/>
             </a:ext>
           </a:extLst>
         </p:spPr>
@@ -23517,7 +23518,7 @@
           </a:prstGeom>
           <a:extLst>
             <a:ext uri="{C572A759-6A51-4108-AA02-DFA0A04FC94B}">
-              <ma14:wrappingTextBoxFlag xmlns:ma14="http://schemas.microsoft.com/office/mac/drawingml/2011/main" xmlns="" val="1"/>
+              <ma14:wrappingTextBoxFlag xmlns="" xmlns:ma14="http://schemas.microsoft.com/office/mac/drawingml/2011/main" val="1"/>
             </a:ext>
           </a:extLst>
         </p:spPr>
@@ -25961,7 +25962,7 @@
           </a:prstGeom>
           <a:extLst>
             <a:ext uri="{C572A759-6A51-4108-AA02-DFA0A04FC94B}">
-              <ma14:wrappingTextBoxFlag xmlns:ma14="http://schemas.microsoft.com/office/mac/drawingml/2011/main" xmlns="" val="1"/>
+              <ma14:wrappingTextBoxFlag xmlns="" xmlns:ma14="http://schemas.microsoft.com/office/mac/drawingml/2011/main" val="1"/>
             </a:ext>
           </a:extLst>
         </p:spPr>
@@ -31639,7 +31640,7 @@
           </a:prstGeom>
           <a:extLst>
             <a:ext uri="{C572A759-6A51-4108-AA02-DFA0A04FC94B}">
-              <ma14:wrappingTextBoxFlag xmlns:ma14="http://schemas.microsoft.com/office/mac/drawingml/2011/main" xmlns="" val="1"/>
+              <ma14:wrappingTextBoxFlag xmlns="" xmlns:ma14="http://schemas.microsoft.com/office/mac/drawingml/2011/main" val="1"/>
             </a:ext>
           </a:extLst>
         </p:spPr>
@@ -33559,7 +33560,7 @@
           </a:prstGeom>
           <a:extLst>
             <a:ext uri="{C572A759-6A51-4108-AA02-DFA0A04FC94B}">
-              <ma14:wrappingTextBoxFlag xmlns:ma14="http://schemas.microsoft.com/office/mac/drawingml/2011/main" xmlns="" val="1"/>
+              <ma14:wrappingTextBoxFlag xmlns="" xmlns:ma14="http://schemas.microsoft.com/office/mac/drawingml/2011/main" val="1"/>
             </a:ext>
           </a:extLst>
         </p:spPr>
@@ -33698,7 +33699,7 @@
           </a:ln>
           <a:extLst>
             <a:ext uri="{C572A759-6A51-4108-AA02-DFA0A04FC94B}">
-              <ma14:wrappingTextBoxFlag xmlns:ma14="http://schemas.microsoft.com/office/mac/drawingml/2011/main" xmlns="" val="1"/>
+              <ma14:wrappingTextBoxFlag xmlns="" xmlns:ma14="http://schemas.microsoft.com/office/mac/drawingml/2011/main" val="1"/>
             </a:ext>
           </a:extLst>
         </p:spPr>
@@ -33998,7 +33999,7 @@
           </a:prstGeom>
           <a:extLst>
             <a:ext uri="{C572A759-6A51-4108-AA02-DFA0A04FC94B}">
-              <ma14:wrappingTextBoxFlag xmlns:ma14="http://schemas.microsoft.com/office/mac/drawingml/2011/main" xmlns="" val="1"/>
+              <ma14:wrappingTextBoxFlag xmlns="" xmlns:ma14="http://schemas.microsoft.com/office/mac/drawingml/2011/main" val="1"/>
             </a:ext>
           </a:extLst>
         </p:spPr>
@@ -34597,7 +34598,7 @@
           </a:prstGeom>
           <a:extLst>
             <a:ext uri="{C572A759-6A51-4108-AA02-DFA0A04FC94B}">
-              <ma14:wrappingTextBoxFlag xmlns:ma14="http://schemas.microsoft.com/office/mac/drawingml/2011/main" xmlns="" val="1"/>
+              <ma14:wrappingTextBoxFlag xmlns="" xmlns:ma14="http://schemas.microsoft.com/office/mac/drawingml/2011/main" val="1"/>
             </a:ext>
           </a:extLst>
         </p:spPr>
@@ -35535,7 +35536,7 @@
           </a:prstGeom>
           <a:extLst>
             <a:ext uri="{C572A759-6A51-4108-AA02-DFA0A04FC94B}">
-              <ma14:wrappingTextBoxFlag xmlns:ma14="http://schemas.microsoft.com/office/mac/drawingml/2011/main" xmlns="" val="1"/>
+              <ma14:wrappingTextBoxFlag xmlns="" xmlns:ma14="http://schemas.microsoft.com/office/mac/drawingml/2011/main" val="1"/>
             </a:ext>
           </a:extLst>
         </p:spPr>
@@ -36509,7 +36510,7 @@
           </a:prstGeom>
           <a:extLst>
             <a:ext uri="{C572A759-6A51-4108-AA02-DFA0A04FC94B}">
-              <ma14:wrappingTextBoxFlag xmlns:ma14="http://schemas.microsoft.com/office/mac/drawingml/2011/main" xmlns="" val="1"/>
+              <ma14:wrappingTextBoxFlag xmlns="" xmlns:ma14="http://schemas.microsoft.com/office/mac/drawingml/2011/main" val="1"/>
             </a:ext>
           </a:extLst>
         </p:spPr>
@@ -37483,7 +37484,7 @@
           </a:prstGeom>
           <a:extLst>
             <a:ext uri="{C572A759-6A51-4108-AA02-DFA0A04FC94B}">
-              <ma14:wrappingTextBoxFlag xmlns:ma14="http://schemas.microsoft.com/office/mac/drawingml/2011/main" xmlns="" val="1"/>
+              <ma14:wrappingTextBoxFlag xmlns="" xmlns:ma14="http://schemas.microsoft.com/office/mac/drawingml/2011/main" val="1"/>
             </a:ext>
           </a:extLst>
         </p:spPr>
@@ -38907,7 +38908,7 @@
           </a:prstGeom>
           <a:extLst>
             <a:ext uri="{C572A759-6A51-4108-AA02-DFA0A04FC94B}">
-              <ma14:wrappingTextBoxFlag xmlns:ma14="http://schemas.microsoft.com/office/mac/drawingml/2011/main" xmlns="" val="1"/>
+              <ma14:wrappingTextBoxFlag xmlns="" xmlns:ma14="http://schemas.microsoft.com/office/mac/drawingml/2011/main" val="1"/>
             </a:ext>
           </a:extLst>
         </p:spPr>
@@ -40588,7 +40589,7 @@
           <a:p>
             <a:r>
               <a:rPr lang="en-US" sz="2900" b="0" dirty="0"/>
-              <a:t>Support microservices and modular design</a:t>
+              <a:t>Minimal upgrade downtime</a:t>
             </a:r>
           </a:p>
         </p:txBody>
@@ -40616,7 +40617,19 @@
           <a:p>
             <a:r>
               <a:rPr lang="en-US" dirty="0"/>
-              <a:t>One process per one container</a:t>
+              <a:t>Suitable application architecture allows </a:t>
+            </a:r>
+            <a:r>
+              <a:rPr lang="cs-CZ" dirty="0" err="1"/>
+              <a:t>minimizing</a:t>
+            </a:r>
+            <a:r>
+              <a:rPr lang="cs-CZ" dirty="0"/>
+              <a:t> </a:t>
+            </a:r>
+            <a:r>
+              <a:rPr lang="en-US" dirty="0"/>
+              <a:t>downtime</a:t>
             </a:r>
           </a:p>
         </p:txBody>
@@ -40645,6 +40658,165 @@
             <a:fld id="{86CB4B4D-7CA3-9044-876B-883B54F8677D}" type="slidenum">
               <a:rPr lang="cs-CZ" smtClean="0"/>
               <a:t>10</a:t>
+            </a:fld>
+            <a:endParaRPr lang="cs-CZ"/>
+          </a:p>
+        </p:txBody>
+      </p:sp>
+      <p:pic>
+        <p:nvPicPr>
+          <p:cNvPr id="6" name="Picture 5">
+            <a:extLst>
+              <a:ext uri="{FF2B5EF4-FFF2-40B4-BE49-F238E27FC236}">
+                <a16:creationId xmlns:a16="http://schemas.microsoft.com/office/drawing/2014/main" id="{8CB94B1D-2E16-C649-BF35-4C7CEB7B9C02}"/>
+              </a:ext>
+            </a:extLst>
+          </p:cNvPr>
+          <p:cNvPicPr>
+            <a:picLocks noChangeAspect="1"/>
+          </p:cNvPicPr>
+          <p:nvPr/>
+        </p:nvPicPr>
+        <p:blipFill>
+          <a:blip r:embed="rId2">
+            <a:extLst>
+              <a:ext uri="{28A0092B-C50C-407E-A947-70E740481C1C}">
+                <a14:useLocalDpi xmlns:a14="http://schemas.microsoft.com/office/drawing/2010/main" val="0"/>
+              </a:ext>
+            </a:extLst>
+          </a:blip>
+          <a:stretch>
+            <a:fillRect/>
+          </a:stretch>
+        </p:blipFill>
+        <p:spPr>
+          <a:xfrm>
+            <a:off x="2864650" y="2514283"/>
+            <a:ext cx="6442610" cy="3121588"/>
+          </a:xfrm>
+          <a:prstGeom prst="rect">
+            <a:avLst/>
+          </a:prstGeom>
+        </p:spPr>
+      </p:pic>
+    </p:spTree>
+    <p:extLst>
+      <p:ext uri="{BB962C8B-B14F-4D97-AF65-F5344CB8AC3E}">
+        <p14:creationId xmlns:p14="http://schemas.microsoft.com/office/powerpoint/2010/main" val="1947470314"/>
+      </p:ext>
+    </p:extLst>
+  </p:cSld>
+  <p:clrMapOvr>
+    <a:masterClrMapping/>
+  </p:clrMapOvr>
+  <p:transition spd="med"/>
+</p:sld>
+</file>
+
+<file path=ppt/slides/slide11.xml><?xml version="1.0" encoding="utf-8"?>
+<p:sld xmlns:a="http://schemas.openxmlformats.org/drawingml/2006/main" xmlns:r="http://schemas.openxmlformats.org/officeDocument/2006/relationships" xmlns:p="http://schemas.openxmlformats.org/presentationml/2006/main">
+  <p:cSld>
+    <p:spTree>
+      <p:nvGrpSpPr>
+        <p:cNvPr id="1" name=""/>
+        <p:cNvGrpSpPr/>
+        <p:nvPr/>
+      </p:nvGrpSpPr>
+      <p:grpSpPr>
+        <a:xfrm>
+          <a:off x="0" y="0"/>
+          <a:ext cx="0" cy="0"/>
+          <a:chOff x="0" y="0"/>
+          <a:chExt cx="0" cy="0"/>
+        </a:xfrm>
+      </p:grpSpPr>
+      <p:sp>
+        <p:nvSpPr>
+          <p:cNvPr id="2" name="Title 1">
+            <a:extLst>
+              <a:ext uri="{FF2B5EF4-FFF2-40B4-BE49-F238E27FC236}">
+                <a16:creationId xmlns:a16="http://schemas.microsoft.com/office/drawing/2014/main" id="{F975F991-C7E7-5340-A43C-251F30D5EF30}"/>
+              </a:ext>
+            </a:extLst>
+          </p:cNvPr>
+          <p:cNvSpPr>
+            <a:spLocks noGrp="1"/>
+          </p:cNvSpPr>
+          <p:nvPr>
+            <p:ph type="title"/>
+          </p:nvPr>
+        </p:nvSpPr>
+        <p:spPr>
+          <a:xfrm>
+            <a:off x="177164" y="164131"/>
+            <a:ext cx="10515600" cy="618385"/>
+          </a:xfrm>
+        </p:spPr>
+        <p:txBody>
+          <a:bodyPr>
+            <a:normAutofit/>
+          </a:bodyPr>
+          <a:lstStyle/>
+          <a:p>
+            <a:r>
+              <a:rPr lang="en-US" sz="2900" b="0" dirty="0"/>
+              <a:t>Support microservices and modular design</a:t>
+            </a:r>
+          </a:p>
+        </p:txBody>
+      </p:sp>
+      <p:sp>
+        <p:nvSpPr>
+          <p:cNvPr id="3" name="Text Placeholder 2">
+            <a:extLst>
+              <a:ext uri="{FF2B5EF4-FFF2-40B4-BE49-F238E27FC236}">
+                <a16:creationId xmlns:a16="http://schemas.microsoft.com/office/drawing/2014/main" id="{8089689E-E994-B84A-A33C-2AF2FBAD2FC1}"/>
+              </a:ext>
+            </a:extLst>
+          </p:cNvPr>
+          <p:cNvSpPr>
+            <a:spLocks noGrp="1"/>
+          </p:cNvSpPr>
+          <p:nvPr>
+            <p:ph type="body" idx="1"/>
+          </p:nvPr>
+        </p:nvSpPr>
+        <p:spPr/>
+        <p:txBody>
+          <a:bodyPr/>
+          <a:lstStyle/>
+          <a:p>
+            <a:r>
+              <a:rPr lang="en-US" dirty="0"/>
+              <a:t>One process per one container</a:t>
+            </a:r>
+          </a:p>
+        </p:txBody>
+      </p:sp>
+      <p:sp>
+        <p:nvSpPr>
+          <p:cNvPr id="4" name="Slide Number Placeholder 3">
+            <a:extLst>
+              <a:ext uri="{FF2B5EF4-FFF2-40B4-BE49-F238E27FC236}">
+                <a16:creationId xmlns:a16="http://schemas.microsoft.com/office/drawing/2014/main" id="{33880DC9-A96E-2341-9542-2F27E0D1409A}"/>
+              </a:ext>
+            </a:extLst>
+          </p:cNvPr>
+          <p:cNvSpPr>
+            <a:spLocks noGrp="1"/>
+          </p:cNvSpPr>
+          <p:nvPr>
+            <p:ph type="sldNum" sz="quarter" idx="2"/>
+          </p:nvPr>
+        </p:nvSpPr>
+        <p:spPr/>
+        <p:txBody>
+          <a:bodyPr/>
+          <a:lstStyle/>
+          <a:p>
+            <a:fld id="{86CB4B4D-7CA3-9044-876B-883B54F8677D}" type="slidenum">
+              <a:rPr lang="cs-CZ" smtClean="0"/>
+              <a:t>11</a:t>
             </a:fld>
             <a:endParaRPr lang="cs-CZ"/>
           </a:p>
@@ -40700,7 +40872,7 @@
 </p:sld>
 </file>
 
-<file path=ppt/slides/slide11.xml><?xml version="1.0" encoding="utf-8"?>
+<file path=ppt/slides/slide12.xml><?xml version="1.0" encoding="utf-8"?>
 <p:sld xmlns:a="http://schemas.openxmlformats.org/drawingml/2006/main" xmlns:r="http://schemas.openxmlformats.org/officeDocument/2006/relationships" xmlns:p="http://schemas.openxmlformats.org/presentationml/2006/main">
   <p:cSld>
     <p:spTree>
@@ -40906,136 +41078,6 @@
 </p:sld>
 </file>
 
-<file path=ppt/slides/slide12.xml><?xml version="1.0" encoding="utf-8"?>
-<p:sld xmlns:a="http://schemas.openxmlformats.org/drawingml/2006/main" xmlns:r="http://schemas.openxmlformats.org/officeDocument/2006/relationships" xmlns:p="http://schemas.openxmlformats.org/presentationml/2006/main">
-  <p:cSld>
-    <p:spTree>
-      <p:nvGrpSpPr>
-        <p:cNvPr id="1" name=""/>
-        <p:cNvGrpSpPr/>
-        <p:nvPr/>
-      </p:nvGrpSpPr>
-      <p:grpSpPr>
-        <a:xfrm>
-          <a:off x="0" y="0"/>
-          <a:ext cx="0" cy="0"/>
-          <a:chOff x="0" y="0"/>
-          <a:chExt cx="0" cy="0"/>
-        </a:xfrm>
-      </p:grpSpPr>
-      <p:sp>
-        <p:nvSpPr>
-          <p:cNvPr id="2" name="Title 1"/>
-          <p:cNvSpPr>
-            <a:spLocks noGrp="1"/>
-          </p:cNvSpPr>
-          <p:nvPr>
-            <p:ph type="title"/>
-          </p:nvPr>
-        </p:nvSpPr>
-        <p:spPr>
-          <a:xfrm>
-            <a:off x="176920" y="154820"/>
-            <a:ext cx="10515600" cy="618385"/>
-          </a:xfrm>
-        </p:spPr>
-        <p:txBody>
-          <a:bodyPr>
-            <a:normAutofit/>
-          </a:bodyPr>
-          <a:lstStyle/>
-          <a:p>
-            <a:r>
-              <a:rPr lang="en-US" sz="2900" b="0" dirty="0"/>
-              <a:t>Docker</a:t>
-            </a:r>
-          </a:p>
-        </p:txBody>
-      </p:sp>
-      <p:sp>
-        <p:nvSpPr>
-          <p:cNvPr id="3" name="Text Placeholder 2"/>
-          <p:cNvSpPr>
-            <a:spLocks noGrp="1"/>
-          </p:cNvSpPr>
-          <p:nvPr>
-            <p:ph type="body" idx="1"/>
-          </p:nvPr>
-        </p:nvSpPr>
-        <p:spPr>
-          <a:xfrm>
-            <a:off x="179314" y="773205"/>
-            <a:ext cx="11835766" cy="4895216"/>
-          </a:xfrm>
-        </p:spPr>
-        <p:txBody>
-          <a:bodyPr>
-            <a:normAutofit/>
-          </a:bodyPr>
-          <a:lstStyle/>
-          <a:p>
-            <a:pPr marL="0" indent="0">
-              <a:buNone/>
-            </a:pPr>
-            <a:r>
-              <a:rPr lang="en-US" sz="2800" b="1" dirty="0"/>
-              <a:t>Images and layers</a:t>
-            </a:r>
-          </a:p>
-        </p:txBody>
-      </p:sp>
-      <p:pic>
-        <p:nvPicPr>
-          <p:cNvPr id="4" name="Content Placeholder 6"/>
-          <p:cNvPicPr>
-            <a:picLocks noChangeAspect="1"/>
-          </p:cNvPicPr>
-          <p:nvPr/>
-        </p:nvPicPr>
-        <p:blipFill>
-          <a:blip r:embed="rId3">
-            <a:extLst>
-              <a:ext uri="{28A0092B-C50C-407E-A947-70E740481C1C}">
-                <a14:useLocalDpi xmlns:a14="http://schemas.microsoft.com/office/drawing/2010/main" val="0"/>
-              </a:ext>
-            </a:extLst>
-          </a:blip>
-          <a:stretch>
-            <a:fillRect/>
-          </a:stretch>
-        </p:blipFill>
-        <p:spPr>
-          <a:xfrm>
-            <a:off x="2823653" y="1189579"/>
-            <a:ext cx="6371429" cy="4909832"/>
-          </a:xfrm>
-          <a:prstGeom prst="rect">
-            <a:avLst/>
-          </a:prstGeom>
-          <a:ln w="12700">
-            <a:miter lim="400000"/>
-          </a:ln>
-          <a:extLst>
-            <a:ext uri="{C572A759-6A51-4108-AA02-DFA0A04FC94B}">
-              <ma14:wrappingTextBoxFlag xmlns:ma14="http://schemas.microsoft.com/office/mac/drawingml/2011/main" xmlns="" val="1"/>
-            </a:ext>
-          </a:extLst>
-        </p:spPr>
-      </p:pic>
-    </p:spTree>
-    <p:extLst>
-      <p:ext uri="{BB962C8B-B14F-4D97-AF65-F5344CB8AC3E}">
-        <p14:creationId xmlns:p14="http://schemas.microsoft.com/office/powerpoint/2010/main" val="1512842221"/>
-      </p:ext>
-    </p:extLst>
-  </p:cSld>
-  <p:clrMapOvr>
-    <a:masterClrMapping/>
-  </p:clrMapOvr>
-  <p:transition spd="med"/>
-</p:sld>
-</file>
-
 <file path=ppt/slides/slide13.xml><?xml version="1.0" encoding="utf-8"?>
 <p:sld xmlns:a="http://schemas.openxmlformats.org/drawingml/2006/main" xmlns:r="http://schemas.openxmlformats.org/officeDocument/2006/relationships" xmlns:p="http://schemas.openxmlformats.org/presentationml/2006/main">
   <p:cSld>
@@ -41094,6 +41136,136 @@
         </p:nvSpPr>
         <p:spPr>
           <a:xfrm>
+            <a:off x="179314" y="773205"/>
+            <a:ext cx="11835766" cy="4895216"/>
+          </a:xfrm>
+        </p:spPr>
+        <p:txBody>
+          <a:bodyPr>
+            <a:normAutofit/>
+          </a:bodyPr>
+          <a:lstStyle/>
+          <a:p>
+            <a:pPr marL="0" indent="0">
+              <a:buNone/>
+            </a:pPr>
+            <a:r>
+              <a:rPr lang="en-US" sz="2800" b="1" dirty="0"/>
+              <a:t>Images and layers</a:t>
+            </a:r>
+          </a:p>
+        </p:txBody>
+      </p:sp>
+      <p:pic>
+        <p:nvPicPr>
+          <p:cNvPr id="4" name="Content Placeholder 6"/>
+          <p:cNvPicPr>
+            <a:picLocks noChangeAspect="1"/>
+          </p:cNvPicPr>
+          <p:nvPr/>
+        </p:nvPicPr>
+        <p:blipFill>
+          <a:blip r:embed="rId3">
+            <a:extLst>
+              <a:ext uri="{28A0092B-C50C-407E-A947-70E740481C1C}">
+                <a14:useLocalDpi xmlns:a14="http://schemas.microsoft.com/office/drawing/2010/main" val="0"/>
+              </a:ext>
+            </a:extLst>
+          </a:blip>
+          <a:stretch>
+            <a:fillRect/>
+          </a:stretch>
+        </p:blipFill>
+        <p:spPr>
+          <a:xfrm>
+            <a:off x="2823653" y="1189579"/>
+            <a:ext cx="6371429" cy="4909832"/>
+          </a:xfrm>
+          <a:prstGeom prst="rect">
+            <a:avLst/>
+          </a:prstGeom>
+          <a:ln w="12700">
+            <a:miter lim="400000"/>
+          </a:ln>
+          <a:extLst>
+            <a:ext uri="{C572A759-6A51-4108-AA02-DFA0A04FC94B}">
+              <ma14:wrappingTextBoxFlag xmlns="" xmlns:ma14="http://schemas.microsoft.com/office/mac/drawingml/2011/main" val="1"/>
+            </a:ext>
+          </a:extLst>
+        </p:spPr>
+      </p:pic>
+    </p:spTree>
+    <p:extLst>
+      <p:ext uri="{BB962C8B-B14F-4D97-AF65-F5344CB8AC3E}">
+        <p14:creationId xmlns:p14="http://schemas.microsoft.com/office/powerpoint/2010/main" val="1512842221"/>
+      </p:ext>
+    </p:extLst>
+  </p:cSld>
+  <p:clrMapOvr>
+    <a:masterClrMapping/>
+  </p:clrMapOvr>
+  <p:transition spd="med"/>
+</p:sld>
+</file>
+
+<file path=ppt/slides/slide14.xml><?xml version="1.0" encoding="utf-8"?>
+<p:sld xmlns:a="http://schemas.openxmlformats.org/drawingml/2006/main" xmlns:r="http://schemas.openxmlformats.org/officeDocument/2006/relationships" xmlns:p="http://schemas.openxmlformats.org/presentationml/2006/main">
+  <p:cSld>
+    <p:spTree>
+      <p:nvGrpSpPr>
+        <p:cNvPr id="1" name=""/>
+        <p:cNvGrpSpPr/>
+        <p:nvPr/>
+      </p:nvGrpSpPr>
+      <p:grpSpPr>
+        <a:xfrm>
+          <a:off x="0" y="0"/>
+          <a:ext cx="0" cy="0"/>
+          <a:chOff x="0" y="0"/>
+          <a:chExt cx="0" cy="0"/>
+        </a:xfrm>
+      </p:grpSpPr>
+      <p:sp>
+        <p:nvSpPr>
+          <p:cNvPr id="2" name="Title 1"/>
+          <p:cNvSpPr>
+            <a:spLocks noGrp="1"/>
+          </p:cNvSpPr>
+          <p:nvPr>
+            <p:ph type="title"/>
+          </p:nvPr>
+        </p:nvSpPr>
+        <p:spPr>
+          <a:xfrm>
+            <a:off x="176920" y="154820"/>
+            <a:ext cx="10515600" cy="618385"/>
+          </a:xfrm>
+        </p:spPr>
+        <p:txBody>
+          <a:bodyPr>
+            <a:normAutofit/>
+          </a:bodyPr>
+          <a:lstStyle/>
+          <a:p>
+            <a:r>
+              <a:rPr lang="en-US" sz="2900" b="0" dirty="0"/>
+              <a:t>Docker</a:t>
+            </a:r>
+          </a:p>
+        </p:txBody>
+      </p:sp>
+      <p:sp>
+        <p:nvSpPr>
+          <p:cNvPr id="3" name="Text Placeholder 2"/>
+          <p:cNvSpPr>
+            <a:spLocks noGrp="1"/>
+          </p:cNvSpPr>
+          <p:nvPr>
+            <p:ph type="body" idx="1"/>
+          </p:nvPr>
+        </p:nvSpPr>
+        <p:spPr>
+          <a:xfrm>
             <a:off x="178117" y="781097"/>
             <a:ext cx="11835766" cy="4895216"/>
           </a:xfrm>
@@ -41173,7 +41345,7 @@
           </a:ln>
           <a:extLst>
             <a:ext uri="{C572A759-6A51-4108-AA02-DFA0A04FC94B}">
-              <ma14:wrappingTextBoxFlag xmlns:ma14="http://schemas.microsoft.com/office/mac/drawingml/2011/main" xmlns="" val="1"/>
+              <ma14:wrappingTextBoxFlag xmlns="" xmlns:ma14="http://schemas.microsoft.com/office/mac/drawingml/2011/main" val="1"/>
             </a:ext>
           </a:extLst>
         </p:spPr>
@@ -41192,7 +41364,7 @@
 </p:sld>
 </file>
 
-<file path=ppt/slides/slide14.xml><?xml version="1.0" encoding="utf-8"?>
+<file path=ppt/slides/slide15.xml><?xml version="1.0" encoding="utf-8"?>
 <p:sld xmlns:a="http://schemas.openxmlformats.org/drawingml/2006/main" xmlns:r="http://schemas.openxmlformats.org/officeDocument/2006/relationships" xmlns:p="http://schemas.openxmlformats.org/presentationml/2006/main">
   <p:cSld>
     <p:spTree>
@@ -41371,7 +41543,7 @@
 </p:sld>
 </file>
 
-<file path=ppt/slides/slide15.xml><?xml version="1.0" encoding="utf-8"?>
+<file path=ppt/slides/slide16.xml><?xml version="1.0" encoding="utf-8"?>
 <p:sld xmlns:a="http://schemas.openxmlformats.org/drawingml/2006/main" xmlns:r="http://schemas.openxmlformats.org/officeDocument/2006/relationships" xmlns:p="http://schemas.openxmlformats.org/presentationml/2006/main">
   <p:cSld>
     <p:spTree>
@@ -41496,7 +41668,7 @@
           </a:ln>
           <a:extLst>
             <a:ext uri="{C572A759-6A51-4108-AA02-DFA0A04FC94B}">
-              <ma14:wrappingTextBoxFlag xmlns:ma14="http://schemas.microsoft.com/office/mac/drawingml/2011/main" xmlns="" val="1"/>
+              <ma14:wrappingTextBoxFlag xmlns="" xmlns:ma14="http://schemas.microsoft.com/office/mac/drawingml/2011/main" val="1"/>
             </a:ext>
           </a:extLst>
         </p:spPr>
@@ -41515,7 +41687,7 @@
 </p:sld>
 </file>
 
-<file path=ppt/slides/slide16.xml><?xml version="1.0" encoding="utf-8"?>
+<file path=ppt/slides/slide17.xml><?xml version="1.0" encoding="utf-8"?>
 <p:sld xmlns:a="http://schemas.openxmlformats.org/drawingml/2006/main" xmlns:r="http://schemas.openxmlformats.org/officeDocument/2006/relationships" xmlns:p="http://schemas.openxmlformats.org/presentationml/2006/main">
   <p:cSld>
     <p:spTree>
@@ -41555,7 +41727,7 @@
           <a:p>
             <a:fld id="{86CB4B4D-7CA3-9044-876B-883B54F8677D}" type="slidenum">
               <a:rPr lang="en-US" smtClean="0"/>
-              <a:t>16</a:t>
+              <a:t>17</a:t>
             </a:fld>
             <a:endParaRPr lang="en-US"/>
           </a:p>
@@ -41664,46 +41836,10 @@
       </p:grpSpPr>
       <p:sp>
         <p:nvSpPr>
-          <p:cNvPr id="2" name="Title 1">
+          <p:cNvPr id="2" name="Slide Number Placeholder 1">
             <a:extLst>
               <a:ext uri="{FF2B5EF4-FFF2-40B4-BE49-F238E27FC236}">
-                <a16:creationId xmlns:a16="http://schemas.microsoft.com/office/drawing/2014/main" id="{F975F991-C7E7-5340-A43C-251F30D5EF30}"/>
-              </a:ext>
-            </a:extLst>
-          </p:cNvPr>
-          <p:cNvSpPr>
-            <a:spLocks noGrp="1"/>
-          </p:cNvSpPr>
-          <p:nvPr>
-            <p:ph type="title"/>
-          </p:nvPr>
-        </p:nvSpPr>
-        <p:spPr>
-          <a:xfrm>
-            <a:off x="177164" y="164131"/>
-            <a:ext cx="10515600" cy="618385"/>
-          </a:xfrm>
-        </p:spPr>
-        <p:txBody>
-          <a:bodyPr>
-            <a:normAutofit/>
-          </a:bodyPr>
-          <a:lstStyle/>
-          <a:p>
-            <a:r>
-              <a:rPr lang="en-US" b="0" dirty="0"/>
-              <a:t>Agenda</a:t>
-            </a:r>
-            <a:endParaRPr lang="en-US" sz="2900" b="0" dirty="0"/>
-          </a:p>
-        </p:txBody>
-      </p:sp>
-      <p:sp>
-        <p:nvSpPr>
-          <p:cNvPr id="4" name="Slide Number Placeholder 3">
-            <a:extLst>
-              <a:ext uri="{FF2B5EF4-FFF2-40B4-BE49-F238E27FC236}">
-                <a16:creationId xmlns:a16="http://schemas.microsoft.com/office/drawing/2014/main" id="{33880DC9-A96E-2341-9542-2F27E0D1409A}"/>
+                <a16:creationId xmlns:a16="http://schemas.microsoft.com/office/drawing/2014/main" id="{AC571BBA-455C-884B-B8A4-5E2DF8231910}"/>
               </a:ext>
             </a:extLst>
           </p:cNvPr>
@@ -41729,10 +41865,10 @@
       </p:sp>
       <p:sp>
         <p:nvSpPr>
-          <p:cNvPr id="8" name="Text Placeholder 2">
+          <p:cNvPr id="3" name="Text Placeholder 2">
             <a:extLst>
               <a:ext uri="{FF2B5EF4-FFF2-40B4-BE49-F238E27FC236}">
-                <a16:creationId xmlns:a16="http://schemas.microsoft.com/office/drawing/2014/main" id="{7B0E9AF6-06AA-A54C-9114-05C26304E739}"/>
+                <a16:creationId xmlns:a16="http://schemas.microsoft.com/office/drawing/2014/main" id="{9AF5FFE4-42DA-2447-9CB7-837007541178}"/>
               </a:ext>
             </a:extLst>
           </p:cNvPr>
@@ -41740,89 +41876,157 @@
             <a:spLocks noGrp="1"/>
           </p:cNvSpPr>
           <p:nvPr>
-            <p:ph type="body" idx="1"/>
+            <p:ph type="body" sz="half" idx="14"/>
           </p:nvPr>
         </p:nvSpPr>
-        <p:spPr>
-          <a:xfrm>
-            <a:off x="177164" y="1311274"/>
-            <a:ext cx="4444532" cy="4895216"/>
-          </a:xfrm>
-        </p:spPr>
+        <p:spPr/>
         <p:txBody>
           <a:bodyPr/>
           <a:lstStyle/>
           <a:p>
             <a:r>
               <a:rPr lang="en-US" dirty="0"/>
-              <a:t>Basic overview </a:t>
-            </a:r>
-            <a:r>
-              <a:rPr lang="cs-CZ" dirty="0" err="1"/>
-              <a:t>of</a:t>
-            </a:r>
-            <a:r>
-              <a:rPr lang="en-US" dirty="0"/>
-              <a:t> Containers</a:t>
-            </a:r>
-          </a:p>
-          <a:p>
-            <a:r>
-              <a:rPr lang="en-US" dirty="0"/>
-              <a:t>Benefits </a:t>
-            </a:r>
-          </a:p>
-          <a:p>
-            <a:r>
-              <a:rPr lang="en-US" dirty="0"/>
-              <a:t>Workshop</a:t>
-            </a:r>
-          </a:p>
-          <a:p>
-            <a:pPr lvl="1"/>
-            <a:r>
-              <a:rPr lang="en-US" dirty="0"/>
-              <a:t>Volumes</a:t>
-            </a:r>
-          </a:p>
-          <a:p>
-            <a:pPr lvl="1"/>
-            <a:r>
-              <a:rPr lang="en-US" dirty="0"/>
-              <a:t>Networking</a:t>
-            </a:r>
-          </a:p>
-          <a:p>
-            <a:pPr lvl="1"/>
-            <a:r>
-              <a:rPr lang="en-US" dirty="0"/>
-              <a:t>Clustering (Optional)</a:t>
-            </a:r>
-          </a:p>
-          <a:p>
-            <a:pPr marL="0" indent="0">
-              <a:buNone/>
-            </a:pPr>
-            <a:endParaRPr lang="en-US" dirty="0"/>
+              <a:t>DevOps Manager</a:t>
+            </a:r>
+          </a:p>
+        </p:txBody>
+      </p:sp>
+      <p:sp>
+        <p:nvSpPr>
+          <p:cNvPr id="5" name="Title 4">
+            <a:extLst>
+              <a:ext uri="{FF2B5EF4-FFF2-40B4-BE49-F238E27FC236}">
+                <a16:creationId xmlns:a16="http://schemas.microsoft.com/office/drawing/2014/main" id="{46D6B972-0A7E-844B-8362-E2A90F399428}"/>
+              </a:ext>
+            </a:extLst>
+          </p:cNvPr>
+          <p:cNvSpPr>
+            <a:spLocks noGrp="1"/>
+          </p:cNvSpPr>
+          <p:nvPr>
+            <p:ph type="title"/>
+          </p:nvPr>
+        </p:nvSpPr>
+        <p:spPr/>
+        <p:txBody>
+          <a:bodyPr/>
+          <a:lstStyle/>
+          <a:p>
+            <a:r>
+              <a:rPr lang="en-US" dirty="0"/>
+              <a:t>Ivo Klimsa</a:t>
+            </a:r>
+          </a:p>
+        </p:txBody>
+      </p:sp>
+      <p:sp>
+        <p:nvSpPr>
+          <p:cNvPr id="6" name="Content Placeholder 5">
+            <a:extLst>
+              <a:ext uri="{FF2B5EF4-FFF2-40B4-BE49-F238E27FC236}">
+                <a16:creationId xmlns:a16="http://schemas.microsoft.com/office/drawing/2014/main" id="{C851B19F-474E-5146-9A55-079578E860F9}"/>
+              </a:ext>
+            </a:extLst>
+          </p:cNvPr>
+          <p:cNvSpPr>
+            <a:spLocks noGrp="1"/>
+          </p:cNvSpPr>
+          <p:nvPr>
+            <p:ph sz="quarter" idx="18"/>
+          </p:nvPr>
+        </p:nvSpPr>
+        <p:spPr/>
+        <p:txBody>
+          <a:bodyPr/>
+          <a:lstStyle/>
+          <a:p>
+            <a:r>
+              <a:rPr lang="en-US" sz="2500" dirty="0"/>
+              <a:t>SolarWinds – DevOps Manager (2019/8 - )</a:t>
+            </a:r>
+          </a:p>
+          <a:p>
+            <a:r>
+              <a:rPr lang="en-US" sz="2500" dirty="0"/>
+              <a:t>SolarWinds – DevOps Team Leader (2017/11 – 2019/7)</a:t>
+            </a:r>
+          </a:p>
+          <a:p>
+            <a:r>
+              <a:rPr lang="en-US" sz="2500" dirty="0"/>
+              <a:t>SolarWinds – Senior System Engineer (2015/2 – 2017/10)</a:t>
+            </a:r>
+          </a:p>
+          <a:p>
+            <a:r>
+              <a:rPr lang="en-US" sz="2500" dirty="0" err="1"/>
+              <a:t>EmbedIT</a:t>
+            </a:r>
+            <a:r>
+              <a:rPr lang="en-US" sz="2500" dirty="0"/>
+              <a:t> – Senior System Engineer (2014/1 – 2015/1)</a:t>
+            </a:r>
+          </a:p>
+          <a:p>
+            <a:r>
+              <a:rPr lang="en-US" sz="2500" dirty="0"/>
+              <a:t>TIETO – Application Administrator</a:t>
+            </a:r>
+          </a:p>
+          <a:p>
+            <a:r>
+              <a:rPr lang="en-US" sz="2500" dirty="0"/>
+              <a:t>OVANET </a:t>
+            </a:r>
+            <a:r>
+              <a:rPr lang="en-US" sz="2500" dirty="0" err="1"/>
+              <a:t>a.s.</a:t>
+            </a:r>
+            <a:r>
+              <a:rPr lang="en-US" sz="2500" dirty="0"/>
+              <a:t> - System Administrator (2007/7 – 2011/5)</a:t>
+            </a:r>
+          </a:p>
+          <a:p>
+            <a:r>
+              <a:rPr lang="en-US" sz="2500" dirty="0"/>
+              <a:t>Centrum </a:t>
+            </a:r>
+            <a:r>
+              <a:rPr lang="en-US" sz="2500" dirty="0" err="1"/>
+              <a:t>vzdelavani</a:t>
+            </a:r>
+            <a:r>
+              <a:rPr lang="en-US" sz="2500" dirty="0"/>
+              <a:t> 2006 – 2007/5</a:t>
+            </a:r>
+          </a:p>
+          <a:p>
+            <a:r>
+              <a:rPr lang="en-US" sz="2500" dirty="0"/>
+              <a:t>SYNOTIP - Service engineer (2006)</a:t>
+            </a:r>
           </a:p>
         </p:txBody>
       </p:sp>
       <p:pic>
         <p:nvPicPr>
-          <p:cNvPr id="6" name="Picture 5">
+          <p:cNvPr id="7" name="Content Placeholder 7" descr="A person wearing sunglasses&#10;&#10;Description automatically generated">
             <a:extLst>
               <a:ext uri="{FF2B5EF4-FFF2-40B4-BE49-F238E27FC236}">
-                <a16:creationId xmlns:a16="http://schemas.microsoft.com/office/drawing/2014/main" id="{600397CE-997D-3941-8430-4C67923AED1B}"/>
+                <a16:creationId xmlns:a16="http://schemas.microsoft.com/office/drawing/2014/main" id="{1C1C5034-7419-2643-A2E5-A0654DB716AC}"/>
               </a:ext>
             </a:extLst>
           </p:cNvPr>
           <p:cNvPicPr>
-            <a:picLocks noChangeAspect="1"/>
+            <a:picLocks noGrp="1" noChangeAspect="1"/>
           </p:cNvPicPr>
-          <p:nvPr/>
+          <p:nvPr>
+            <p:ph sz="quarter" idx="19"/>
+          </p:nvPr>
         </p:nvPicPr>
         <p:blipFill>
-          <a:blip r:embed="rId2" cstate="print">
+          <a:blip r:embed="rId2">
             <a:extLst>
               <a:ext uri="{28A0092B-C50C-407E-A947-70E740481C1C}">
                 <a14:useLocalDpi xmlns:a14="http://schemas.microsoft.com/office/drawing/2010/main" val="0"/>
@@ -41835,18 +42039,91 @@
         </p:blipFill>
         <p:spPr>
           <a:xfrm>
-            <a:off x="6096000" y="1308402"/>
-            <a:ext cx="4753791" cy="4241196"/>
+            <a:off x="8357394" y="1748631"/>
+            <a:ext cx="3429000" cy="3429000"/>
+          </a:xfrm>
+        </p:spPr>
+      </p:pic>
+      <p:sp>
+        <p:nvSpPr>
+          <p:cNvPr id="8" name="Rectangle 7">
+            <a:extLst>
+              <a:ext uri="{FF2B5EF4-FFF2-40B4-BE49-F238E27FC236}">
+                <a16:creationId xmlns:a16="http://schemas.microsoft.com/office/drawing/2014/main" id="{AD25F0D5-4070-6A44-8253-13F0BA4931D6}"/>
+              </a:ext>
+            </a:extLst>
+          </p:cNvPr>
+          <p:cNvSpPr/>
+          <p:nvPr/>
+        </p:nvSpPr>
+        <p:spPr>
+          <a:xfrm>
+            <a:off x="8305813" y="5177631"/>
+            <a:ext cx="3557384" cy="584775"/>
           </a:xfrm>
           <a:prstGeom prst="rect">
             <a:avLst/>
           </a:prstGeom>
         </p:spPr>
-      </p:pic>
+        <p:txBody>
+          <a:bodyPr wrap="square">
+            <a:spAutoFit/>
+          </a:bodyPr>
+          <a:lstStyle/>
+          <a:p>
+            <a:r>
+              <a:rPr lang="cs-CZ" sz="1600" dirty="0">
+                <a:solidFill>
+                  <a:schemeClr val="tx1"/>
+                </a:solidFill>
+                <a:hlinkClick r:id="rId3">
+                  <a:extLst>
+                    <a:ext uri="{A12FA001-AC4F-418D-AE19-62706E023703}">
+                      <ahyp:hlinkClr xmlns:ahyp="http://schemas.microsoft.com/office/drawing/2018/hyperlinkcolor" val="tx"/>
+                    </a:ext>
+                  </a:extLst>
+                </a:hlinkClick>
+              </a:rPr>
+              <a:t>https://github.com/ivoklimsa</a:t>
+            </a:r>
+            <a:endParaRPr lang="cs-CZ" sz="1600" dirty="0">
+              <a:solidFill>
+                <a:schemeClr val="tx1"/>
+              </a:solidFill>
+            </a:endParaRPr>
+          </a:p>
+          <a:p>
+            <a:r>
+              <a:rPr lang="en-US" sz="1600" dirty="0">
+                <a:solidFill>
+                  <a:schemeClr val="tx1"/>
+                </a:solidFill>
+              </a:rPr>
+              <a:t>https://</a:t>
+            </a:r>
+            <a:r>
+              <a:rPr lang="en-US" sz="1600" dirty="0" err="1">
+                <a:solidFill>
+                  <a:schemeClr val="tx1"/>
+                </a:solidFill>
+              </a:rPr>
+              <a:t>bit.ly</a:t>
+            </a:r>
+            <a:r>
+              <a:rPr lang="en-US" sz="1600" dirty="0">
+                <a:solidFill>
+                  <a:schemeClr val="tx1"/>
+                </a:solidFill>
+              </a:rPr>
+              <a:t>/34ykzZx</a:t>
+            </a:r>
+          </a:p>
+        </p:txBody>
+      </p:sp>
     </p:spTree>
     <p:extLst>
       <p:ext uri="{BB962C8B-B14F-4D97-AF65-F5344CB8AC3E}">
-        <p14:creationId xmlns:p14="http://schemas.microsoft.com/office/powerpoint/2010/main" val="196272456"/>
+        <p14:creationId xmlns:p14="http://schemas.microsoft.com/office/powerpoint/2010/main" val="3816678713"/>
       </p:ext>
     </p:extLst>
   </p:cSld>
@@ -41904,7 +42181,7 @@
           <a:p>
             <a:r>
               <a:rPr lang="en-US" b="0" dirty="0"/>
-              <a:t>Containers?#!</a:t>
+              <a:t>Agenda</a:t>
             </a:r>
             <a:endParaRPr lang="en-US" sz="2900" b="0" dirty="0"/>
           </a:p>
@@ -41965,37 +42242,50 @@
           <a:bodyPr/>
           <a:lstStyle/>
           <a:p>
-            <a:pPr marL="0" lvl="1" indent="0">
-              <a:lnSpc>
-                <a:spcPct val="100000"/>
-              </a:lnSpc>
-              <a:spcBef>
-                <a:spcPts val="0"/>
-              </a:spcBef>
-              <a:buClrTx/>
-              <a:buSzTx/>
-              <a:buNone/>
-            </a:pPr>
-            <a:r>
-              <a:rPr lang="en-US" sz="2800" b="1" dirty="0"/>
-              <a:t>What are containers?</a:t>
-            </a:r>
-          </a:p>
-          <a:p>
-            <a:pPr marL="0" lvl="1" indent="0">
-              <a:lnSpc>
-                <a:spcPct val="100000"/>
-              </a:lnSpc>
-              <a:spcBef>
-                <a:spcPts val="0"/>
-              </a:spcBef>
-              <a:buClrTx/>
-              <a:buSzTx/>
-              <a:buNone/>
-            </a:pPr>
-            <a:r>
-              <a:rPr lang="en-US" dirty="0"/>
-              <a:t>Containers are a solution to the problem of how to get software to run reliably when moved from one computing environment to another. This could be from a developer's laptop to a test environment, from a staging environment into production and perhaps from a physical machine in a data center to a virtual machine in a private or public cloud.</a:t>
+            <a:r>
+              <a:rPr lang="en-US" dirty="0"/>
+              <a:t>Basic overview </a:t>
+            </a:r>
+            <a:r>
+              <a:rPr lang="cs-CZ" dirty="0" err="1"/>
+              <a:t>of</a:t>
+            </a:r>
+            <a:r>
+              <a:rPr lang="en-US" dirty="0"/>
+              <a:t> Containers</a:t>
+            </a:r>
+          </a:p>
+          <a:p>
+            <a:r>
+              <a:rPr lang="en-US" dirty="0"/>
+              <a:t>Benefits </a:t>
+            </a:r>
+          </a:p>
+          <a:p>
+            <a:r>
+              <a:rPr lang="en-US" dirty="0"/>
+              <a:t>Workshop</a:t>
+            </a:r>
+          </a:p>
+          <a:p>
+            <a:pPr lvl="1"/>
+            <a:r>
+              <a:rPr lang="en-US" dirty="0"/>
+              <a:t>Volumes</a:t>
+            </a:r>
+          </a:p>
+          <a:p>
+            <a:pPr lvl="1"/>
+            <a:r>
+              <a:rPr lang="en-US" dirty="0"/>
+              <a:t>Networking</a:t>
+            </a:r>
+          </a:p>
+          <a:p>
+            <a:pPr lvl="1"/>
+            <a:r>
+              <a:rPr lang="en-US" dirty="0"/>
+              <a:t>Clustering (Optional)</a:t>
             </a:r>
           </a:p>
           <a:p>
@@ -42008,10 +42298,10 @@
       </p:sp>
       <p:pic>
         <p:nvPicPr>
-          <p:cNvPr id="9" name="Picture 8">
+          <p:cNvPr id="6" name="Picture 5">
             <a:extLst>
               <a:ext uri="{FF2B5EF4-FFF2-40B4-BE49-F238E27FC236}">
-                <a16:creationId xmlns:a16="http://schemas.microsoft.com/office/drawing/2014/main" id="{471F6CED-CD12-9549-B327-25C98CA45242}"/>
+                <a16:creationId xmlns:a16="http://schemas.microsoft.com/office/drawing/2014/main" id="{600397CE-997D-3941-8430-4C67923AED1B}"/>
               </a:ext>
             </a:extLst>
           </p:cNvPr>
@@ -42021,7 +42311,7 @@
           <p:nvPr/>
         </p:nvPicPr>
         <p:blipFill>
-          <a:blip r:embed="rId2">
+          <a:blip r:embed="rId2" cstate="print">
             <a:extLst>
               <a:ext uri="{28A0092B-C50C-407E-A947-70E740481C1C}">
                 <a14:useLocalDpi xmlns:a14="http://schemas.microsoft.com/office/drawing/2010/main" val="0"/>
@@ -42034,8 +42324,8 @@
         </p:blipFill>
         <p:spPr>
           <a:xfrm>
-            <a:off x="4375104" y="1171423"/>
-            <a:ext cx="7816896" cy="4515154"/>
+            <a:off x="6096000" y="1308402"/>
+            <a:ext cx="4753791" cy="4241196"/>
           </a:xfrm>
           <a:prstGeom prst="rect">
             <a:avLst/>
@@ -42045,7 +42335,7 @@
     </p:spTree>
     <p:extLst>
       <p:ext uri="{BB962C8B-B14F-4D97-AF65-F5344CB8AC3E}">
-        <p14:creationId xmlns:p14="http://schemas.microsoft.com/office/powerpoint/2010/main" val="227235044"/>
+        <p14:creationId xmlns:p14="http://schemas.microsoft.com/office/powerpoint/2010/main" val="196272456"/>
       </p:ext>
     </p:extLst>
   </p:cSld>
@@ -42102,37 +42392,10 @@
           <a:lstStyle/>
           <a:p>
             <a:r>
-              <a:rPr lang="en-US" sz="2900" b="0" dirty="0"/>
-              <a:t>Standardized environment for your product</a:t>
-            </a:r>
-          </a:p>
-        </p:txBody>
-      </p:sp>
-      <p:sp>
-        <p:nvSpPr>
-          <p:cNvPr id="3" name="Text Placeholder 2">
-            <a:extLst>
-              <a:ext uri="{FF2B5EF4-FFF2-40B4-BE49-F238E27FC236}">
-                <a16:creationId xmlns:a16="http://schemas.microsoft.com/office/drawing/2014/main" id="{8089689E-E994-B84A-A33C-2AF2FBAD2FC1}"/>
-              </a:ext>
-            </a:extLst>
-          </p:cNvPr>
-          <p:cNvSpPr>
-            <a:spLocks noGrp="1"/>
-          </p:cNvSpPr>
-          <p:nvPr>
-            <p:ph type="body" idx="1"/>
-          </p:nvPr>
-        </p:nvSpPr>
-        <p:spPr/>
-        <p:txBody>
-          <a:bodyPr/>
-          <a:lstStyle/>
-          <a:p>
-            <a:r>
-              <a:rPr lang="en-US" dirty="0"/>
-              <a:t>”Hmm, but it works on my machine”</a:t>
-            </a:r>
+              <a:rPr lang="en-US" b="0" dirty="0"/>
+              <a:t>Containers?#!</a:t>
+            </a:r>
+            <a:endParaRPr lang="en-US" sz="2900" b="0" dirty="0"/>
           </a:p>
         </p:txBody>
       </p:sp>
@@ -42165,12 +42428,79 @@
           </a:p>
         </p:txBody>
       </p:sp>
+      <p:sp>
+        <p:nvSpPr>
+          <p:cNvPr id="8" name="Text Placeholder 2">
+            <a:extLst>
+              <a:ext uri="{FF2B5EF4-FFF2-40B4-BE49-F238E27FC236}">
+                <a16:creationId xmlns:a16="http://schemas.microsoft.com/office/drawing/2014/main" id="{7B0E9AF6-06AA-A54C-9114-05C26304E739}"/>
+              </a:ext>
+            </a:extLst>
+          </p:cNvPr>
+          <p:cNvSpPr>
+            <a:spLocks noGrp="1"/>
+          </p:cNvSpPr>
+          <p:nvPr>
+            <p:ph type="body" idx="1"/>
+          </p:nvPr>
+        </p:nvSpPr>
+        <p:spPr>
+          <a:xfrm>
+            <a:off x="177164" y="1311274"/>
+            <a:ext cx="4444532" cy="4895216"/>
+          </a:xfrm>
+        </p:spPr>
+        <p:txBody>
+          <a:bodyPr/>
+          <a:lstStyle/>
+          <a:p>
+            <a:pPr marL="0" lvl="1" indent="0">
+              <a:lnSpc>
+                <a:spcPct val="100000"/>
+              </a:lnSpc>
+              <a:spcBef>
+                <a:spcPts val="0"/>
+              </a:spcBef>
+              <a:buClrTx/>
+              <a:buSzTx/>
+              <a:buNone/>
+            </a:pPr>
+            <a:r>
+              <a:rPr lang="en-US" sz="2800" b="1" dirty="0"/>
+              <a:t>What are containers?</a:t>
+            </a:r>
+          </a:p>
+          <a:p>
+            <a:pPr marL="0" lvl="1" indent="0">
+              <a:lnSpc>
+                <a:spcPct val="100000"/>
+              </a:lnSpc>
+              <a:spcBef>
+                <a:spcPts val="0"/>
+              </a:spcBef>
+              <a:buClrTx/>
+              <a:buSzTx/>
+              <a:buNone/>
+            </a:pPr>
+            <a:r>
+              <a:rPr lang="en-US" dirty="0"/>
+              <a:t>Containers are a solution to the problem of how to get software to run reliably when moved from one computing environment to another. This could be from a developer's laptop to a test environment, from a staging environment into production and perhaps from a physical machine in a data center to a virtual machine in a private or public cloud.</a:t>
+            </a:r>
+          </a:p>
+          <a:p>
+            <a:pPr marL="0" indent="0">
+              <a:buNone/>
+            </a:pPr>
+            <a:endParaRPr lang="en-US" dirty="0"/>
+          </a:p>
+        </p:txBody>
+      </p:sp>
       <p:pic>
         <p:nvPicPr>
-          <p:cNvPr id="6" name="Picture 5">
+          <p:cNvPr id="9" name="Picture 8">
             <a:extLst>
               <a:ext uri="{FF2B5EF4-FFF2-40B4-BE49-F238E27FC236}">
-                <a16:creationId xmlns:a16="http://schemas.microsoft.com/office/drawing/2014/main" id="{D408B017-EECE-014E-BDC9-AB9998C4DFBA}"/>
+                <a16:creationId xmlns:a16="http://schemas.microsoft.com/office/drawing/2014/main" id="{471F6CED-CD12-9549-B327-25C98CA45242}"/>
               </a:ext>
             </a:extLst>
           </p:cNvPr>
@@ -42193,8 +42523,8 @@
         </p:blipFill>
         <p:spPr>
           <a:xfrm>
-            <a:off x="4189800" y="1954823"/>
-            <a:ext cx="3810000" cy="3810000"/>
+            <a:off x="4375104" y="1171423"/>
+            <a:ext cx="7816896" cy="4515154"/>
           </a:xfrm>
           <a:prstGeom prst="rect">
             <a:avLst/>
@@ -42204,7 +42534,7 @@
     </p:spTree>
     <p:extLst>
       <p:ext uri="{BB962C8B-B14F-4D97-AF65-F5344CB8AC3E}">
-        <p14:creationId xmlns:p14="http://schemas.microsoft.com/office/powerpoint/2010/main" val="20920948"/>
+        <p14:creationId xmlns:p14="http://schemas.microsoft.com/office/powerpoint/2010/main" val="227235044"/>
       </p:ext>
     </p:extLst>
   </p:cSld>
@@ -42262,7 +42592,7 @@
           <a:p>
             <a:r>
               <a:rPr lang="en-US" sz="2900" b="0" dirty="0"/>
-              <a:t>Standardized interface between OS and container</a:t>
+              <a:t>Standardized environment for your product</a:t>
             </a:r>
           </a:p>
         </p:txBody>
@@ -42288,20 +42618,9 @@
           <a:bodyPr/>
           <a:lstStyle/>
           <a:p>
-            <a:pPr indent="-228240">
-              <a:buClr>
-                <a:srgbClr val="F99D1C"/>
-              </a:buClr>
-            </a:pPr>
-            <a:r>
-              <a:rPr lang="en-US" spc="-1" dirty="0">
-                <a:uFill>
-                  <a:solidFill>
-                    <a:srgbClr val="FFFFFF"/>
-                  </a:solidFill>
-                </a:uFill>
-              </a:rPr>
-              <a:t>Just install docker and everything will work</a:t>
+            <a:r>
+              <a:rPr lang="en-US" dirty="0"/>
+              <a:t>”Hmm, but it works on my machine”</a:t>
             </a:r>
           </a:p>
         </p:txBody>
@@ -42337,10 +42656,10 @@
       </p:sp>
       <p:pic>
         <p:nvPicPr>
-          <p:cNvPr id="7" name="Picture 6">
+          <p:cNvPr id="6" name="Picture 5">
             <a:extLst>
               <a:ext uri="{FF2B5EF4-FFF2-40B4-BE49-F238E27FC236}">
-                <a16:creationId xmlns:a16="http://schemas.microsoft.com/office/drawing/2014/main" id="{92964B2D-5D15-7742-BDE6-8A4F77742359}"/>
+                <a16:creationId xmlns:a16="http://schemas.microsoft.com/office/drawing/2014/main" id="{D408B017-EECE-014E-BDC9-AB9998C4DFBA}"/>
               </a:ext>
             </a:extLst>
           </p:cNvPr>
@@ -42363,8 +42682,8 @@
         </p:blipFill>
         <p:spPr>
           <a:xfrm>
-            <a:off x="3674818" y="2034090"/>
-            <a:ext cx="4314825" cy="4171950"/>
+            <a:off x="4189800" y="1954823"/>
+            <a:ext cx="3810000" cy="3810000"/>
           </a:xfrm>
           <a:prstGeom prst="rect">
             <a:avLst/>
@@ -42374,7 +42693,7 @@
     </p:spTree>
     <p:extLst>
       <p:ext uri="{BB962C8B-B14F-4D97-AF65-F5344CB8AC3E}">
-        <p14:creationId xmlns:p14="http://schemas.microsoft.com/office/powerpoint/2010/main" val="773156656"/>
+        <p14:creationId xmlns:p14="http://schemas.microsoft.com/office/powerpoint/2010/main" val="20920948"/>
       </p:ext>
     </p:extLst>
   </p:cSld>
@@ -42432,7 +42751,7 @@
           <a:p>
             <a:r>
               <a:rPr lang="en-US" sz="2900" b="0" dirty="0"/>
-              <a:t>Porting images among developers is easy</a:t>
+              <a:t>Standardized interface between OS and container</a:t>
             </a:r>
           </a:p>
         </p:txBody>
@@ -42458,6 +42777,11 @@
           <a:bodyPr/>
           <a:lstStyle/>
           <a:p>
+            <a:pPr indent="-228240">
+              <a:buClr>
+                <a:srgbClr val="F99D1C"/>
+              </a:buClr>
+            </a:pPr>
             <a:r>
               <a:rPr lang="en-US" spc="-1" dirty="0">
                 <a:uFill>
@@ -42466,7 +42790,7 @@
                   </a:solidFill>
                 </a:uFill>
               </a:rPr>
-              <a:t>Just pack it into an image and send anywhere – it will work the same everywhere</a:t>
+              <a:t>Just install docker and everything will work</a:t>
             </a:r>
           </a:p>
         </p:txBody>
@@ -42502,10 +42826,10 @@
       </p:sp>
       <p:pic>
         <p:nvPicPr>
-          <p:cNvPr id="8" name="Picture 7">
+          <p:cNvPr id="7" name="Picture 6">
             <a:extLst>
               <a:ext uri="{FF2B5EF4-FFF2-40B4-BE49-F238E27FC236}">
-                <a16:creationId xmlns:a16="http://schemas.microsoft.com/office/drawing/2014/main" id="{429DD4C8-0A23-4646-A1D7-B0E38491E7A8}"/>
+                <a16:creationId xmlns:a16="http://schemas.microsoft.com/office/drawing/2014/main" id="{92964B2D-5D15-7742-BDE6-8A4F77742359}"/>
               </a:ext>
             </a:extLst>
           </p:cNvPr>
@@ -42528,8 +42852,8 @@
         </p:blipFill>
         <p:spPr>
           <a:xfrm>
-            <a:off x="3475425" y="2058367"/>
-            <a:ext cx="5238750" cy="3400425"/>
+            <a:off x="3674818" y="2034090"/>
+            <a:ext cx="4314825" cy="4171950"/>
           </a:xfrm>
           <a:prstGeom prst="rect">
             <a:avLst/>
@@ -42539,7 +42863,7 @@
     </p:spTree>
     <p:extLst>
       <p:ext uri="{BB962C8B-B14F-4D97-AF65-F5344CB8AC3E}">
-        <p14:creationId xmlns:p14="http://schemas.microsoft.com/office/powerpoint/2010/main" val="1077633507"/>
+        <p14:creationId xmlns:p14="http://schemas.microsoft.com/office/powerpoint/2010/main" val="773156656"/>
       </p:ext>
     </p:extLst>
   </p:cSld>
@@ -42597,7 +42921,7 @@
           <a:p>
             <a:r>
               <a:rPr lang="en-US" sz="2900" b="0" dirty="0"/>
-              <a:t>Fast and repeatable deployment</a:t>
+              <a:t>Porting images among developers is easy</a:t>
             </a:r>
           </a:p>
         </p:txBody>
@@ -42624,8 +42948,14 @@
           <a:lstStyle/>
           <a:p>
             <a:r>
-              <a:rPr lang="en-US" dirty="0"/>
-              <a:t>Create as many instances as you want</a:t>
+              <a:rPr lang="en-US" spc="-1" dirty="0">
+                <a:uFill>
+                  <a:solidFill>
+                    <a:srgbClr val="FFFFFF"/>
+                  </a:solidFill>
+                </a:uFill>
+              </a:rPr>
+              <a:t>Just pack it into an image and send anywhere – it will work the same everywhere</a:t>
             </a:r>
           </a:p>
         </p:txBody>
@@ -42661,10 +42991,10 @@
       </p:sp>
       <p:pic>
         <p:nvPicPr>
-          <p:cNvPr id="6" name="Picture 5">
+          <p:cNvPr id="8" name="Picture 7">
             <a:extLst>
               <a:ext uri="{FF2B5EF4-FFF2-40B4-BE49-F238E27FC236}">
-                <a16:creationId xmlns:a16="http://schemas.microsoft.com/office/drawing/2014/main" id="{CA3A28B6-A9E0-1D45-B7F9-73075B3A626E}"/>
+                <a16:creationId xmlns:a16="http://schemas.microsoft.com/office/drawing/2014/main" id="{429DD4C8-0A23-4646-A1D7-B0E38491E7A8}"/>
               </a:ext>
             </a:extLst>
           </p:cNvPr>
@@ -42687,8 +43017,8 @@
         </p:blipFill>
         <p:spPr>
           <a:xfrm>
-            <a:off x="3347084" y="1938094"/>
-            <a:ext cx="5495925" cy="4125177"/>
+            <a:off x="3475425" y="2058367"/>
+            <a:ext cx="5238750" cy="3400425"/>
           </a:xfrm>
           <a:prstGeom prst="rect">
             <a:avLst/>
@@ -42698,7 +43028,7 @@
     </p:spTree>
     <p:extLst>
       <p:ext uri="{BB962C8B-B14F-4D97-AF65-F5344CB8AC3E}">
-        <p14:creationId xmlns:p14="http://schemas.microsoft.com/office/powerpoint/2010/main" val="398574122"/>
+        <p14:creationId xmlns:p14="http://schemas.microsoft.com/office/powerpoint/2010/main" val="1077633507"/>
       </p:ext>
     </p:extLst>
   </p:cSld>
@@ -42756,7 +43086,7 @@
           <a:p>
             <a:r>
               <a:rPr lang="en-US" sz="2900" b="0" dirty="0"/>
-              <a:t>Containers are lightweight</a:t>
+              <a:t>Fast and repeatable deployment</a:t>
             </a:r>
           </a:p>
         </p:txBody>
@@ -42784,7 +43114,7 @@
           <a:p>
             <a:r>
               <a:rPr lang="en-US" dirty="0"/>
-              <a:t>Only application processes consume resources</a:t>
+              <a:t>Create as many instances as you want</a:t>
             </a:r>
           </a:p>
         </p:txBody>
@@ -42823,7 +43153,7 @@
           <p:cNvPr id="6" name="Picture 5">
             <a:extLst>
               <a:ext uri="{FF2B5EF4-FFF2-40B4-BE49-F238E27FC236}">
-                <a16:creationId xmlns:a16="http://schemas.microsoft.com/office/drawing/2014/main" id="{7C4DBE08-F0CF-9843-B3A3-94C7E6A45C0C}"/>
+                <a16:creationId xmlns:a16="http://schemas.microsoft.com/office/drawing/2014/main" id="{CA3A28B6-A9E0-1D45-B7F9-73075B3A626E}"/>
               </a:ext>
             </a:extLst>
           </p:cNvPr>
@@ -42846,8 +43176,8 @@
         </p:blipFill>
         <p:spPr>
           <a:xfrm>
-            <a:off x="2919640" y="1848020"/>
-            <a:ext cx="6350000" cy="4508500"/>
+            <a:off x="3347084" y="1938094"/>
+            <a:ext cx="5495925" cy="4125177"/>
           </a:xfrm>
           <a:prstGeom prst="rect">
             <a:avLst/>
@@ -42857,7 +43187,7 @@
     </p:spTree>
     <p:extLst>
       <p:ext uri="{BB962C8B-B14F-4D97-AF65-F5344CB8AC3E}">
-        <p14:creationId xmlns:p14="http://schemas.microsoft.com/office/powerpoint/2010/main" val="1802093973"/>
+        <p14:creationId xmlns:p14="http://schemas.microsoft.com/office/powerpoint/2010/main" val="398574122"/>
       </p:ext>
     </p:extLst>
   </p:cSld>
@@ -42915,7 +43245,7 @@
           <a:p>
             <a:r>
               <a:rPr lang="en-US" sz="2900" b="0" dirty="0"/>
-              <a:t>Minimal upgrade downtime</a:t>
+              <a:t>Containers are lightweight</a:t>
             </a:r>
           </a:p>
         </p:txBody>
@@ -42943,19 +43273,7 @@
           <a:p>
             <a:r>
               <a:rPr lang="en-US" dirty="0"/>
-              <a:t>Suitable application architecture allows </a:t>
-            </a:r>
-            <a:r>
-              <a:rPr lang="cs-CZ" dirty="0" err="1"/>
-              <a:t>minimizing</a:t>
-            </a:r>
-            <a:r>
-              <a:rPr lang="cs-CZ" dirty="0"/>
-              <a:t> </a:t>
-            </a:r>
-            <a:r>
-              <a:rPr lang="en-US" dirty="0"/>
-              <a:t>downtime</a:t>
+              <a:t>Only application processes consume resources</a:t>
             </a:r>
           </a:p>
         </p:txBody>
@@ -42994,7 +43312,7 @@
           <p:cNvPr id="6" name="Picture 5">
             <a:extLst>
               <a:ext uri="{FF2B5EF4-FFF2-40B4-BE49-F238E27FC236}">
-                <a16:creationId xmlns:a16="http://schemas.microsoft.com/office/drawing/2014/main" id="{8CB94B1D-2E16-C649-BF35-4C7CEB7B9C02}"/>
+                <a16:creationId xmlns:a16="http://schemas.microsoft.com/office/drawing/2014/main" id="{7C4DBE08-F0CF-9843-B3A3-94C7E6A45C0C}"/>
               </a:ext>
             </a:extLst>
           </p:cNvPr>
@@ -43017,8 +43335,8 @@
         </p:blipFill>
         <p:spPr>
           <a:xfrm>
-            <a:off x="2864650" y="2514283"/>
-            <a:ext cx="6442610" cy="3121588"/>
+            <a:off x="2919640" y="1848020"/>
+            <a:ext cx="6350000" cy="4508500"/>
           </a:xfrm>
           <a:prstGeom prst="rect">
             <a:avLst/>
@@ -43028,7 +43346,7 @@
     </p:spTree>
     <p:extLst>
       <p:ext uri="{BB962C8B-B14F-4D97-AF65-F5344CB8AC3E}">
-        <p14:creationId xmlns:p14="http://schemas.microsoft.com/office/powerpoint/2010/main" val="1947470314"/>
+        <p14:creationId xmlns:p14="http://schemas.microsoft.com/office/powerpoint/2010/main" val="1802093973"/>
       </p:ext>
     </p:extLst>
   </p:cSld>
